--- a/root/docs/slides/Ригин_Антон_БПИ153_КР_3_курс_презентация.pptx
+++ b/root/docs/slides/Ригин_Антон_БПИ153_КР_3_курс_презентация.pptx
@@ -2118,7 +2118,7 @@
           </a:ln>
           <a:extLst>
             <a:ext uri="{C572A759-6A51-4108-AA02-DFA0A04FC94B}">
-              <ma14:wrappingTextBoxFlag xmlns:ma14="http://schemas.microsoft.com/office/mac/drawingml/2011/main" xmlns:a14="http://schemas.microsoft.com/office/drawing/2010/main" xmlns:m="http://schemas.openxmlformats.org/officeDocument/2006/math" xmlns="" val="1"/>
+              <ma14:wrappingTextBoxFlag xmlns="" xmlns:m="http://schemas.openxmlformats.org/officeDocument/2006/math" xmlns:a14="http://schemas.microsoft.com/office/drawing/2010/main" xmlns:ma14="http://schemas.microsoft.com/office/mac/drawingml/2011/main" val="1"/>
             </a:ext>
           </a:extLst>
         </p:spPr>
@@ -2157,7 +2157,7 @@
           </a:ln>
           <a:extLst>
             <a:ext uri="{C572A759-6A51-4108-AA02-DFA0A04FC94B}">
-              <ma14:wrappingTextBoxFlag xmlns:ma14="http://schemas.microsoft.com/office/mac/drawingml/2011/main" xmlns:a14="http://schemas.microsoft.com/office/drawing/2010/main" xmlns:m="http://schemas.openxmlformats.org/officeDocument/2006/math" xmlns="" val="1"/>
+              <ma14:wrappingTextBoxFlag xmlns="" xmlns:m="http://schemas.openxmlformats.org/officeDocument/2006/math" xmlns:a14="http://schemas.microsoft.com/office/drawing/2010/main" xmlns:ma14="http://schemas.microsoft.com/office/mac/drawingml/2011/main" val="1"/>
             </a:ext>
           </a:extLst>
         </p:spPr>
@@ -3116,7 +3116,7 @@
           </a:ln>
           <a:extLst>
             <a:ext uri="{C572A759-6A51-4108-AA02-DFA0A04FC94B}">
-              <ma14:wrappingTextBoxFlag xmlns:ma14="http://schemas.microsoft.com/office/mac/drawingml/2011/main" xmlns:a14="http://schemas.microsoft.com/office/drawing/2010/main" xmlns:m="http://schemas.openxmlformats.org/officeDocument/2006/math" xmlns="" val="1"/>
+              <ma14:wrappingTextBoxFlag xmlns="" xmlns:m="http://schemas.openxmlformats.org/officeDocument/2006/math" xmlns:a14="http://schemas.microsoft.com/office/drawing/2010/main" xmlns:ma14="http://schemas.microsoft.com/office/mac/drawingml/2011/main" val="1"/>
             </a:ext>
           </a:extLst>
         </p:spPr>
@@ -3162,7 +3162,7 @@
           </a:ln>
           <a:extLst>
             <a:ext uri="{C572A759-6A51-4108-AA02-DFA0A04FC94B}">
-              <ma14:wrappingTextBoxFlag xmlns:ma14="http://schemas.microsoft.com/office/mac/drawingml/2011/main" xmlns:a14="http://schemas.microsoft.com/office/drawing/2010/main" xmlns:m="http://schemas.openxmlformats.org/officeDocument/2006/math" xmlns="" val="1"/>
+              <ma14:wrappingTextBoxFlag xmlns="" xmlns:m="http://schemas.openxmlformats.org/officeDocument/2006/math" xmlns:a14="http://schemas.microsoft.com/office/drawing/2010/main" xmlns:ma14="http://schemas.microsoft.com/office/mac/drawingml/2011/main" val="1"/>
             </a:ext>
           </a:extLst>
         </p:spPr>
@@ -3241,7 +3241,7 @@
           </a:ln>
           <a:extLst>
             <a:ext uri="{C572A759-6A51-4108-AA02-DFA0A04FC94B}">
-              <ma14:wrappingTextBoxFlag xmlns:ma14="http://schemas.microsoft.com/office/mac/drawingml/2011/main" xmlns:a14="http://schemas.microsoft.com/office/drawing/2010/main" xmlns:m="http://schemas.openxmlformats.org/officeDocument/2006/math" xmlns="" val="1"/>
+              <ma14:wrappingTextBoxFlag xmlns="" xmlns:m="http://schemas.openxmlformats.org/officeDocument/2006/math" xmlns:a14="http://schemas.microsoft.com/office/drawing/2010/main" xmlns:ma14="http://schemas.microsoft.com/office/mac/drawingml/2011/main" val="1"/>
             </a:ext>
           </a:extLst>
         </p:spPr>
@@ -3306,7 +3306,7 @@
           </a:ln>
           <a:extLst>
             <a:ext uri="{C572A759-6A51-4108-AA02-DFA0A04FC94B}">
-              <ma14:wrappingTextBoxFlag xmlns:ma14="http://schemas.microsoft.com/office/mac/drawingml/2011/main" xmlns:a14="http://schemas.microsoft.com/office/drawing/2010/main" xmlns:m="http://schemas.openxmlformats.org/officeDocument/2006/math" xmlns="" val="1"/>
+              <ma14:wrappingTextBoxFlag xmlns="" xmlns:m="http://schemas.openxmlformats.org/officeDocument/2006/math" xmlns:a14="http://schemas.microsoft.com/office/drawing/2010/main" xmlns:ma14="http://schemas.microsoft.com/office/mac/drawingml/2011/main" val="1"/>
             </a:ext>
           </a:extLst>
         </p:spPr>
@@ -3450,7 +3450,7 @@
           </a:ln>
           <a:extLst>
             <a:ext uri="{C572A759-6A51-4108-AA02-DFA0A04FC94B}">
-              <ma14:wrappingTextBoxFlag xmlns:ma14="http://schemas.microsoft.com/office/mac/drawingml/2011/main" xmlns:a14="http://schemas.microsoft.com/office/drawing/2010/main" xmlns:m="http://schemas.openxmlformats.org/officeDocument/2006/math" xmlns="" val="1"/>
+              <ma14:wrappingTextBoxFlag xmlns="" xmlns:m="http://schemas.openxmlformats.org/officeDocument/2006/math" xmlns:a14="http://schemas.microsoft.com/office/drawing/2010/main" xmlns:ma14="http://schemas.microsoft.com/office/mac/drawingml/2011/main" val="1"/>
             </a:ext>
           </a:extLst>
         </p:spPr>
@@ -3476,8 +3476,8 @@
           </a:p>
         </p:txBody>
       </p:sp>
-      <mc:AlternateContent xmlns:mc="http://schemas.openxmlformats.org/markup-compatibility/2006">
-        <mc:Choice xmlns:a14="http://schemas.microsoft.com/office/drawing/2010/main" Requires="a14">
+      <mc:AlternateContent xmlns:mc="http://schemas.openxmlformats.org/markup-compatibility/2006" xmlns:a14="http://schemas.microsoft.com/office/drawing/2010/main">
+        <mc:Choice Requires="a14">
           <p:sp>
             <p:nvSpPr>
               <p:cNvPr id="60" name="Text Text Text Text Text Text Text Text Text Text Text Text Text Text Text Text Text Text Text Text Text Text Text Text Text Text Text Text Text Text Text Text Text Text Text Text Text Text Text Text Text Text Text Text Text Text Text Text Text Text Text Text Text Text Text Text Text Text Text Text Text Text Text Text Text Text Text Text Text Text Text Text Text Text Text Text Text Text Text Text Text Text Text Text Text Text Text Text Text Text Text Text Text Text Text Text Text Text Text Text Text Text Text Text Text Text Text Text…"/>
@@ -3497,7 +3497,7 @@
               </a:ln>
               <a:extLst>
                 <a:ext uri="{C572A759-6A51-4108-AA02-DFA0A04FC94B}">
-                  <ma14:wrappingTextBoxFlag xmlns:ma14="http://schemas.microsoft.com/office/mac/drawingml/2011/main" xmlns:m="http://schemas.openxmlformats.org/officeDocument/2006/math" xmlns="" val="1"/>
+                  <ma14:wrappingTextBoxFlag xmlns="" xmlns:m="http://schemas.openxmlformats.org/officeDocument/2006/math" xmlns:ma14="http://schemas.microsoft.com/office/mac/drawingml/2011/main" val="1"/>
                 </a:ext>
               </a:extLst>
             </p:spPr>
@@ -4670,7 +4670,7 @@
             </p:txBody>
           </p:sp>
         </mc:Choice>
-        <mc:Fallback>
+        <mc:Fallback xmlns="">
           <p:sp>
             <p:nvSpPr>
               <p:cNvPr id="60" name="Text Text Text Text Text Text Text Text Text Text Text Text Text Text Text Text Text Text Text Text Text Text Text Text Text Text Text Text Text Text Text Text Text Text Text Text Text Text Text Text Text Text Text Text Text Text Text Text Text Text Text Text Text Text Text Text Text Text Text Text Text Text Text Text Text Text Text Text Text Text Text Text Text Text Text Text Text Text Text Text Text Text Text Text Text Text Text Text Text Text Text Text Text Text Text Text Text Text Text Text Text Text Text Text Text Text Text Text…"/>
@@ -4736,7 +4736,7 @@
           </a:ln>
           <a:extLst>
             <a:ext uri="{C572A759-6A51-4108-AA02-DFA0A04FC94B}">
-              <ma14:wrappingTextBoxFlag xmlns:ma14="http://schemas.microsoft.com/office/mac/drawingml/2011/main" xmlns:a14="http://schemas.microsoft.com/office/drawing/2010/main" xmlns:m="http://schemas.openxmlformats.org/officeDocument/2006/math" xmlns="" val="1"/>
+              <ma14:wrappingTextBoxFlag xmlns="" xmlns:m="http://schemas.openxmlformats.org/officeDocument/2006/math" xmlns:a14="http://schemas.microsoft.com/office/drawing/2010/main" xmlns:ma14="http://schemas.microsoft.com/office/mac/drawingml/2011/main" val="1"/>
             </a:ext>
           </a:extLst>
         </p:spPr>
@@ -4822,7 +4822,7 @@
           </a:ln>
           <a:extLst>
             <a:ext uri="{C572A759-6A51-4108-AA02-DFA0A04FC94B}">
-              <ma14:wrappingTextBoxFlag xmlns:ma14="http://schemas.microsoft.com/office/mac/drawingml/2011/main" xmlns:a14="http://schemas.microsoft.com/office/drawing/2010/main" xmlns:m="http://schemas.openxmlformats.org/officeDocument/2006/math" xmlns="" val="1"/>
+              <ma14:wrappingTextBoxFlag xmlns="" xmlns:m="http://schemas.openxmlformats.org/officeDocument/2006/math" xmlns:a14="http://schemas.microsoft.com/office/drawing/2010/main" xmlns:ma14="http://schemas.microsoft.com/office/mac/drawingml/2011/main" val="1"/>
             </a:ext>
           </a:extLst>
         </p:spPr>
@@ -4849,6 +4849,158 @@
               <a:t>Департамент программной инженерии ФКН</a:t>
             </a:r>
             <a:endParaRPr dirty="0"/>
+          </a:p>
+        </p:txBody>
+      </p:sp>
+      <p:sp>
+        <p:nvSpPr>
+          <p:cNvPr id="9" name="TextBox 8">
+            <a:extLst>
+              <a:ext uri="{FF2B5EF4-FFF2-40B4-BE49-F238E27FC236}">
+                <a16:creationId xmlns:a16="http://schemas.microsoft.com/office/drawing/2014/main" id="{E0D21AFF-5789-4147-87BE-9B6777EC7C91}"/>
+              </a:ext>
+            </a:extLst>
+          </p:cNvPr>
+          <p:cNvSpPr txBox="1"/>
+          <p:nvPr/>
+        </p:nvSpPr>
+        <p:spPr>
+          <a:xfrm>
+            <a:off x="14208224" y="12340624"/>
+            <a:ext cx="10175776" cy="1375376"/>
+          </a:xfrm>
+          <a:prstGeom prst="rect">
+            <a:avLst/>
+          </a:prstGeom>
+          <a:noFill/>
+          <a:ln w="12700" cap="flat">
+            <a:noFill/>
+            <a:miter lim="400000"/>
+          </a:ln>
+          <a:effectLst/>
+          <a:sp3d/>
+        </p:spPr>
+        <p:style>
+          <a:lnRef idx="0">
+            <a:scrgbClr r="0" g="0" b="0"/>
+          </a:lnRef>
+          <a:fillRef idx="0">
+            <a:scrgbClr r="0" g="0" b="0"/>
+          </a:fillRef>
+          <a:effectRef idx="0">
+            <a:scrgbClr r="0" g="0" b="0"/>
+          </a:effectRef>
+          <a:fontRef idx="none"/>
+        </p:style>
+        <p:txBody>
+          <a:bodyPr rot="0" spcFirstLastPara="1" vertOverflow="overflow" horzOverflow="overflow" vert="horz" wrap="square" lIns="71437" tIns="71437" rIns="71437" bIns="71437" numCol="1" spcCol="38100" rtlCol="0" anchor="ctr">
+            <a:spAutoFit/>
+          </a:bodyPr>
+          <a:lstStyle/>
+          <a:p>
+            <a:pPr algn="l"/>
+            <a:r>
+              <a:rPr lang="en-US" sz="4000" dirty="0">
+                <a:solidFill>
+                  <a:srgbClr val="253957"/>
+                </a:solidFill>
+                <a:latin typeface="+mn-lt"/>
+                <a:ea typeface="+mn-ea"/>
+                <a:cs typeface="+mn-cs"/>
+              </a:rPr>
+              <a:t>[1]</a:t>
+            </a:r>
+            <a:r>
+              <a:rPr lang="ru-RU" sz="4000" dirty="0">
+                <a:solidFill>
+                  <a:srgbClr val="253957"/>
+                </a:solidFill>
+                <a:latin typeface="+mn-lt"/>
+                <a:ea typeface="+mn-ea"/>
+                <a:cs typeface="+mn-cs"/>
+              </a:rPr>
+              <a:t> Т. </a:t>
+            </a:r>
+            <a:r>
+              <a:rPr lang="ru-RU" sz="4000" dirty="0" err="1">
+                <a:solidFill>
+                  <a:srgbClr val="253957"/>
+                </a:solidFill>
+                <a:latin typeface="+mn-lt"/>
+                <a:ea typeface="+mn-ea"/>
+                <a:cs typeface="+mn-cs"/>
+              </a:rPr>
+              <a:t>Кормен</a:t>
+            </a:r>
+            <a:r>
+              <a:rPr lang="ru-RU" sz="4000" dirty="0">
+                <a:solidFill>
+                  <a:srgbClr val="253957"/>
+                </a:solidFill>
+                <a:latin typeface="+mn-lt"/>
+                <a:ea typeface="+mn-ea"/>
+                <a:cs typeface="+mn-cs"/>
+              </a:rPr>
+              <a:t>, Ч. </a:t>
+            </a:r>
+            <a:r>
+              <a:rPr lang="ru-RU" sz="4000" dirty="0" err="1">
+                <a:solidFill>
+                  <a:srgbClr val="253957"/>
+                </a:solidFill>
+                <a:latin typeface="+mn-lt"/>
+                <a:ea typeface="+mn-ea"/>
+                <a:cs typeface="+mn-cs"/>
+              </a:rPr>
+              <a:t>Лейзерсон</a:t>
+            </a:r>
+            <a:r>
+              <a:rPr lang="ru-RU" sz="4000" dirty="0">
+                <a:solidFill>
+                  <a:srgbClr val="253957"/>
+                </a:solidFill>
+                <a:latin typeface="+mn-lt"/>
+                <a:ea typeface="+mn-ea"/>
+                <a:cs typeface="+mn-cs"/>
+              </a:rPr>
+              <a:t>, Р. </a:t>
+            </a:r>
+            <a:r>
+              <a:rPr lang="ru-RU" sz="4000" dirty="0" err="1">
+                <a:solidFill>
+                  <a:srgbClr val="253957"/>
+                </a:solidFill>
+                <a:latin typeface="+mn-lt"/>
+                <a:ea typeface="+mn-ea"/>
+                <a:cs typeface="+mn-cs"/>
+              </a:rPr>
+              <a:t>Ривест</a:t>
+            </a:r>
+            <a:r>
+              <a:rPr lang="ru-RU" sz="4000" dirty="0">
+                <a:solidFill>
+                  <a:srgbClr val="253957"/>
+                </a:solidFill>
+                <a:latin typeface="+mn-lt"/>
+                <a:ea typeface="+mn-ea"/>
+                <a:cs typeface="+mn-cs"/>
+              </a:rPr>
+              <a:t>, К. Штайн. Алгоритмы: построение и анализ. 3-е изд.</a:t>
+            </a:r>
+            <a:endParaRPr kumimoji="0" lang="ru-RU" sz="5000" b="0" i="0" u="none" strike="noStrike" cap="none" spc="0" normalizeH="0" baseline="0" dirty="0">
+              <a:ln>
+                <a:noFill/>
+              </a:ln>
+              <a:solidFill>
+                <a:srgbClr val="000000"/>
+              </a:solidFill>
+              <a:effectLst/>
+              <a:uFillTx/>
+              <a:latin typeface="+mj-lt"/>
+              <a:ea typeface="+mj-ea"/>
+              <a:cs typeface="+mj-cs"/>
+              <a:sym typeface="Helvetica Light"/>
+            </a:endParaRPr>
           </a:p>
         </p:txBody>
       </p:sp>
@@ -4934,7 +5086,7 @@
           </a:ln>
           <a:extLst>
             <a:ext uri="{C572A759-6A51-4108-AA02-DFA0A04FC94B}">
-              <ma14:wrappingTextBoxFlag xmlns:ma14="http://schemas.microsoft.com/office/mac/drawingml/2011/main" xmlns:a14="http://schemas.microsoft.com/office/drawing/2010/main" xmlns:m="http://schemas.openxmlformats.org/officeDocument/2006/math" xmlns="" val="1"/>
+              <ma14:wrappingTextBoxFlag xmlns="" xmlns:m="http://schemas.openxmlformats.org/officeDocument/2006/math" xmlns:a14="http://schemas.microsoft.com/office/drawing/2010/main" xmlns:ma14="http://schemas.microsoft.com/office/mac/drawingml/2011/main" val="1"/>
             </a:ext>
           </a:extLst>
         </p:spPr>
@@ -4979,7 +5131,7 @@
           </a:ln>
           <a:extLst>
             <a:ext uri="{C572A759-6A51-4108-AA02-DFA0A04FC94B}">
-              <ma14:wrappingTextBoxFlag xmlns:ma14="http://schemas.microsoft.com/office/mac/drawingml/2011/main" xmlns:a14="http://schemas.microsoft.com/office/drawing/2010/main" xmlns:m="http://schemas.openxmlformats.org/officeDocument/2006/math" xmlns="" val="1"/>
+              <ma14:wrappingTextBoxFlag xmlns="" xmlns:m="http://schemas.openxmlformats.org/officeDocument/2006/math" xmlns:a14="http://schemas.microsoft.com/office/drawing/2010/main" xmlns:ma14="http://schemas.microsoft.com/office/mac/drawingml/2011/main" val="1"/>
             </a:ext>
           </a:extLst>
         </p:spPr>
@@ -5083,7 +5235,7 @@
           </a:ln>
           <a:extLst>
             <a:ext uri="{C572A759-6A51-4108-AA02-DFA0A04FC94B}">
-              <ma14:wrappingTextBoxFlag xmlns:ma14="http://schemas.microsoft.com/office/mac/drawingml/2011/main" xmlns:a14="http://schemas.microsoft.com/office/drawing/2010/main" xmlns:m="http://schemas.openxmlformats.org/officeDocument/2006/math" xmlns="" val="1"/>
+              <ma14:wrappingTextBoxFlag xmlns="" xmlns:m="http://schemas.openxmlformats.org/officeDocument/2006/math" xmlns:a14="http://schemas.microsoft.com/office/drawing/2010/main" xmlns:ma14="http://schemas.microsoft.com/office/mac/drawingml/2011/main" val="1"/>
             </a:ext>
           </a:extLst>
         </p:spPr>
@@ -5173,7 +5325,7 @@
           </a:ln>
           <a:extLst>
             <a:ext uri="{C572A759-6A51-4108-AA02-DFA0A04FC94B}">
-              <ma14:wrappingTextBoxFlag xmlns:ma14="http://schemas.microsoft.com/office/mac/drawingml/2011/main" xmlns:a14="http://schemas.microsoft.com/office/drawing/2010/main" xmlns:m="http://schemas.openxmlformats.org/officeDocument/2006/math" xmlns="" val="1"/>
+              <ma14:wrappingTextBoxFlag xmlns="" xmlns:m="http://schemas.openxmlformats.org/officeDocument/2006/math" xmlns:a14="http://schemas.microsoft.com/office/drawing/2010/main" xmlns:ma14="http://schemas.microsoft.com/office/mac/drawingml/2011/main" val="1"/>
             </a:ext>
           </a:extLst>
         </p:spPr>
@@ -5285,7 +5437,7 @@
           </a:ln>
           <a:extLst>
             <a:ext uri="{C572A759-6A51-4108-AA02-DFA0A04FC94B}">
-              <ma14:wrappingTextBoxFlag xmlns:ma14="http://schemas.microsoft.com/office/mac/drawingml/2011/main" xmlns:a14="http://schemas.microsoft.com/office/drawing/2010/main" xmlns:m="http://schemas.openxmlformats.org/officeDocument/2006/math" xmlns="" val="1"/>
+              <ma14:wrappingTextBoxFlag xmlns="" xmlns:m="http://schemas.openxmlformats.org/officeDocument/2006/math" xmlns:a14="http://schemas.microsoft.com/office/drawing/2010/main" xmlns:ma14="http://schemas.microsoft.com/office/mac/drawingml/2011/main" val="1"/>
             </a:ext>
           </a:extLst>
         </p:spPr>
@@ -5330,7 +5482,7 @@
           </a:ln>
           <a:extLst>
             <a:ext uri="{C572A759-6A51-4108-AA02-DFA0A04FC94B}">
-              <ma14:wrappingTextBoxFlag xmlns:ma14="http://schemas.microsoft.com/office/mac/drawingml/2011/main" xmlns:a14="http://schemas.microsoft.com/office/drawing/2010/main" xmlns:m="http://schemas.openxmlformats.org/officeDocument/2006/math" xmlns="" val="1"/>
+              <ma14:wrappingTextBoxFlag xmlns="" xmlns:m="http://schemas.openxmlformats.org/officeDocument/2006/math" xmlns:a14="http://schemas.microsoft.com/office/drawing/2010/main" xmlns:ma14="http://schemas.microsoft.com/office/mac/drawingml/2011/main" val="1"/>
             </a:ext>
           </a:extLst>
         </p:spPr>
@@ -5415,7 +5567,7 @@
           </a:ln>
           <a:extLst>
             <a:ext uri="{C572A759-6A51-4108-AA02-DFA0A04FC94B}">
-              <ma14:wrappingTextBoxFlag xmlns:ma14="http://schemas.microsoft.com/office/mac/drawingml/2011/main" xmlns:a14="http://schemas.microsoft.com/office/drawing/2010/main" xmlns:m="http://schemas.openxmlformats.org/officeDocument/2006/math" xmlns="" val="1"/>
+              <ma14:wrappingTextBoxFlag xmlns="" xmlns:m="http://schemas.openxmlformats.org/officeDocument/2006/math" xmlns:a14="http://schemas.microsoft.com/office/drawing/2010/main" xmlns:ma14="http://schemas.microsoft.com/office/mac/drawingml/2011/main" val="1"/>
             </a:ext>
           </a:extLst>
         </p:spPr>
@@ -5505,7 +5657,7 @@
           </a:ln>
           <a:extLst>
             <a:ext uri="{C572A759-6A51-4108-AA02-DFA0A04FC94B}">
-              <ma14:wrappingTextBoxFlag xmlns:ma14="http://schemas.microsoft.com/office/mac/drawingml/2011/main" xmlns:a14="http://schemas.microsoft.com/office/drawing/2010/main" xmlns:m="http://schemas.openxmlformats.org/officeDocument/2006/math" xmlns="" val="1"/>
+              <ma14:wrappingTextBoxFlag xmlns="" xmlns:m="http://schemas.openxmlformats.org/officeDocument/2006/math" xmlns:a14="http://schemas.microsoft.com/office/drawing/2010/main" xmlns:ma14="http://schemas.microsoft.com/office/mac/drawingml/2011/main" val="1"/>
             </a:ext>
           </a:extLst>
         </p:spPr>
@@ -5617,7 +5769,7 @@
           </a:ln>
           <a:extLst>
             <a:ext uri="{C572A759-6A51-4108-AA02-DFA0A04FC94B}">
-              <ma14:wrappingTextBoxFlag xmlns:ma14="http://schemas.microsoft.com/office/mac/drawingml/2011/main" xmlns:a14="http://schemas.microsoft.com/office/drawing/2010/main" xmlns:m="http://schemas.openxmlformats.org/officeDocument/2006/math" xmlns="" val="1"/>
+              <ma14:wrappingTextBoxFlag xmlns="" xmlns:m="http://schemas.openxmlformats.org/officeDocument/2006/math" xmlns:a14="http://schemas.microsoft.com/office/drawing/2010/main" xmlns:ma14="http://schemas.microsoft.com/office/mac/drawingml/2011/main" val="1"/>
             </a:ext>
           </a:extLst>
         </p:spPr>
@@ -5662,7 +5814,7 @@
           </a:ln>
           <a:extLst>
             <a:ext uri="{C572A759-6A51-4108-AA02-DFA0A04FC94B}">
-              <ma14:wrappingTextBoxFlag xmlns:ma14="http://schemas.microsoft.com/office/mac/drawingml/2011/main" xmlns:a14="http://schemas.microsoft.com/office/drawing/2010/main" xmlns:m="http://schemas.openxmlformats.org/officeDocument/2006/math" xmlns="" val="1"/>
+              <ma14:wrappingTextBoxFlag xmlns="" xmlns:m="http://schemas.openxmlformats.org/officeDocument/2006/math" xmlns:a14="http://schemas.microsoft.com/office/drawing/2010/main" xmlns:ma14="http://schemas.microsoft.com/office/mac/drawingml/2011/main" val="1"/>
             </a:ext>
           </a:extLst>
         </p:spPr>
@@ -5755,7 +5907,7 @@
           </a:ln>
           <a:extLst>
             <a:ext uri="{C572A759-6A51-4108-AA02-DFA0A04FC94B}">
-              <ma14:wrappingTextBoxFlag xmlns:ma14="http://schemas.microsoft.com/office/mac/drawingml/2011/main" xmlns:a14="http://schemas.microsoft.com/office/drawing/2010/main" xmlns:m="http://schemas.openxmlformats.org/officeDocument/2006/math" xmlns="" val="1"/>
+              <ma14:wrappingTextBoxFlag xmlns="" xmlns:m="http://schemas.openxmlformats.org/officeDocument/2006/math" xmlns:a14="http://schemas.microsoft.com/office/drawing/2010/main" xmlns:ma14="http://schemas.microsoft.com/office/mac/drawingml/2011/main" val="1"/>
             </a:ext>
           </a:extLst>
         </p:spPr>
@@ -5845,7 +5997,7 @@
           </a:ln>
           <a:extLst>
             <a:ext uri="{C572A759-6A51-4108-AA02-DFA0A04FC94B}">
-              <ma14:wrappingTextBoxFlag xmlns:ma14="http://schemas.microsoft.com/office/mac/drawingml/2011/main" xmlns:a14="http://schemas.microsoft.com/office/drawing/2010/main" xmlns:m="http://schemas.openxmlformats.org/officeDocument/2006/math" xmlns="" val="1"/>
+              <ma14:wrappingTextBoxFlag xmlns="" xmlns:m="http://schemas.openxmlformats.org/officeDocument/2006/math" xmlns:a14="http://schemas.microsoft.com/office/drawing/2010/main" xmlns:ma14="http://schemas.microsoft.com/office/mac/drawingml/2011/main" val="1"/>
             </a:ext>
           </a:extLst>
         </p:spPr>
@@ -5957,7 +6109,7 @@
           </a:ln>
           <a:extLst>
             <a:ext uri="{C572A759-6A51-4108-AA02-DFA0A04FC94B}">
-              <ma14:wrappingTextBoxFlag xmlns:ma14="http://schemas.microsoft.com/office/mac/drawingml/2011/main" xmlns:a14="http://schemas.microsoft.com/office/drawing/2010/main" xmlns:m="http://schemas.openxmlformats.org/officeDocument/2006/math" xmlns="" val="1"/>
+              <ma14:wrappingTextBoxFlag xmlns="" xmlns:m="http://schemas.openxmlformats.org/officeDocument/2006/math" xmlns:a14="http://schemas.microsoft.com/office/drawing/2010/main" xmlns:ma14="http://schemas.microsoft.com/office/mac/drawingml/2011/main" val="1"/>
             </a:ext>
           </a:extLst>
         </p:spPr>
@@ -6003,7 +6155,7 @@
           </a:ln>
           <a:extLst>
             <a:ext uri="{C572A759-6A51-4108-AA02-DFA0A04FC94B}">
-              <ma14:wrappingTextBoxFlag xmlns:ma14="http://schemas.microsoft.com/office/mac/drawingml/2011/main" xmlns:a14="http://schemas.microsoft.com/office/drawing/2010/main" xmlns:m="http://schemas.openxmlformats.org/officeDocument/2006/math" xmlns="" val="1"/>
+              <ma14:wrappingTextBoxFlag xmlns="" xmlns:m="http://schemas.openxmlformats.org/officeDocument/2006/math" xmlns:a14="http://schemas.microsoft.com/office/drawing/2010/main" xmlns:ma14="http://schemas.microsoft.com/office/mac/drawingml/2011/main" val="1"/>
             </a:ext>
           </a:extLst>
         </p:spPr>
@@ -6244,7 +6396,7 @@
           </a:ln>
           <a:extLst>
             <a:ext uri="{C572A759-6A51-4108-AA02-DFA0A04FC94B}">
-              <ma14:wrappingTextBoxFlag xmlns:ma14="http://schemas.microsoft.com/office/mac/drawingml/2011/main" xmlns:a14="http://schemas.microsoft.com/office/drawing/2010/main" xmlns:m="http://schemas.openxmlformats.org/officeDocument/2006/math" xmlns="" val="1"/>
+              <ma14:wrappingTextBoxFlag xmlns="" xmlns:m="http://schemas.openxmlformats.org/officeDocument/2006/math" xmlns:a14="http://schemas.microsoft.com/office/drawing/2010/main" xmlns:ma14="http://schemas.microsoft.com/office/mac/drawingml/2011/main" val="1"/>
             </a:ext>
           </a:extLst>
         </p:spPr>
@@ -6451,7 +6603,7 @@
           </a:ln>
           <a:extLst>
             <a:ext uri="{C572A759-6A51-4108-AA02-DFA0A04FC94B}">
-              <ma14:wrappingTextBoxFlag xmlns:ma14="http://schemas.microsoft.com/office/mac/drawingml/2011/main" xmlns:a14="http://schemas.microsoft.com/office/drawing/2010/main" xmlns:m="http://schemas.openxmlformats.org/officeDocument/2006/math" xmlns="" val="1"/>
+              <ma14:wrappingTextBoxFlag xmlns="" xmlns:m="http://schemas.openxmlformats.org/officeDocument/2006/math" xmlns:a14="http://schemas.microsoft.com/office/drawing/2010/main" xmlns:ma14="http://schemas.microsoft.com/office/mac/drawingml/2011/main" val="1"/>
             </a:ext>
           </a:extLst>
         </p:spPr>
@@ -6526,7 +6678,7 @@
           </a:ln>
           <a:extLst>
             <a:ext uri="{C572A759-6A51-4108-AA02-DFA0A04FC94B}">
-              <ma14:wrappingTextBoxFlag xmlns:ma14="http://schemas.microsoft.com/office/mac/drawingml/2011/main" xmlns:a14="http://schemas.microsoft.com/office/drawing/2010/main" xmlns:m="http://schemas.openxmlformats.org/officeDocument/2006/math" xmlns="" val="1"/>
+              <ma14:wrappingTextBoxFlag xmlns="" xmlns:m="http://schemas.openxmlformats.org/officeDocument/2006/math" xmlns:a14="http://schemas.microsoft.com/office/drawing/2010/main" xmlns:ma14="http://schemas.microsoft.com/office/mac/drawingml/2011/main" val="1"/>
             </a:ext>
           </a:extLst>
         </p:spPr>
@@ -6733,7 +6885,7 @@
           </a:ln>
           <a:extLst>
             <a:ext uri="{C572A759-6A51-4108-AA02-DFA0A04FC94B}">
-              <ma14:wrappingTextBoxFlag xmlns:ma14="http://schemas.microsoft.com/office/mac/drawingml/2011/main" xmlns:a14="http://schemas.microsoft.com/office/drawing/2010/main" xmlns:m="http://schemas.openxmlformats.org/officeDocument/2006/math" xmlns="" val="1"/>
+              <ma14:wrappingTextBoxFlag xmlns="" xmlns:m="http://schemas.openxmlformats.org/officeDocument/2006/math" xmlns:a14="http://schemas.microsoft.com/office/drawing/2010/main" xmlns:ma14="http://schemas.microsoft.com/office/mac/drawingml/2011/main" val="1"/>
             </a:ext>
           </a:extLst>
         </p:spPr>
@@ -6813,7 +6965,7 @@
           </a:ln>
           <a:extLst>
             <a:ext uri="{C572A759-6A51-4108-AA02-DFA0A04FC94B}">
-              <ma14:wrappingTextBoxFlag xmlns:ma14="http://schemas.microsoft.com/office/mac/drawingml/2011/main" xmlns:a14="http://schemas.microsoft.com/office/drawing/2010/main" xmlns:m="http://schemas.openxmlformats.org/officeDocument/2006/math" xmlns="" val="1"/>
+              <ma14:wrappingTextBoxFlag xmlns="" xmlns:m="http://schemas.openxmlformats.org/officeDocument/2006/math" xmlns:a14="http://schemas.microsoft.com/office/drawing/2010/main" xmlns:ma14="http://schemas.microsoft.com/office/mac/drawingml/2011/main" val="1"/>
             </a:ext>
           </a:extLst>
         </p:spPr>
@@ -7019,7 +7171,7 @@
           </a:ln>
           <a:extLst>
             <a:ext uri="{C572A759-6A51-4108-AA02-DFA0A04FC94B}">
-              <ma14:wrappingTextBoxFlag xmlns:ma14="http://schemas.microsoft.com/office/mac/drawingml/2011/main" xmlns:a14="http://schemas.microsoft.com/office/drawing/2010/main" xmlns:m="http://schemas.openxmlformats.org/officeDocument/2006/math" xmlns="" val="1"/>
+              <ma14:wrappingTextBoxFlag xmlns="" xmlns:m="http://schemas.openxmlformats.org/officeDocument/2006/math" xmlns:a14="http://schemas.microsoft.com/office/drawing/2010/main" xmlns:ma14="http://schemas.microsoft.com/office/mac/drawingml/2011/main" val="1"/>
             </a:ext>
           </a:extLst>
         </p:spPr>
@@ -7099,7 +7251,7 @@
           </a:ln>
           <a:extLst>
             <a:ext uri="{C572A759-6A51-4108-AA02-DFA0A04FC94B}">
-              <ma14:wrappingTextBoxFlag xmlns:ma14="http://schemas.microsoft.com/office/mac/drawingml/2011/main" xmlns:a14="http://schemas.microsoft.com/office/drawing/2010/main" xmlns:m="http://schemas.openxmlformats.org/officeDocument/2006/math" xmlns="" val="1"/>
+              <ma14:wrappingTextBoxFlag xmlns="" xmlns:m="http://schemas.openxmlformats.org/officeDocument/2006/math" xmlns:a14="http://schemas.microsoft.com/office/drawing/2010/main" xmlns:ma14="http://schemas.microsoft.com/office/mac/drawingml/2011/main" val="1"/>
             </a:ext>
           </a:extLst>
         </p:spPr>
@@ -7306,7 +7458,7 @@
           </a:ln>
           <a:extLst>
             <a:ext uri="{C572A759-6A51-4108-AA02-DFA0A04FC94B}">
-              <ma14:wrappingTextBoxFlag xmlns:ma14="http://schemas.microsoft.com/office/mac/drawingml/2011/main" xmlns:a14="http://schemas.microsoft.com/office/drawing/2010/main" xmlns:m="http://schemas.openxmlformats.org/officeDocument/2006/math" xmlns="" val="1"/>
+              <ma14:wrappingTextBoxFlag xmlns="" xmlns:m="http://schemas.openxmlformats.org/officeDocument/2006/math" xmlns:a14="http://schemas.microsoft.com/office/drawing/2010/main" xmlns:ma14="http://schemas.microsoft.com/office/mac/drawingml/2011/main" val="1"/>
             </a:ext>
           </a:extLst>
         </p:spPr>
@@ -7386,7 +7538,7 @@
           </a:ln>
           <a:extLst>
             <a:ext uri="{C572A759-6A51-4108-AA02-DFA0A04FC94B}">
-              <ma14:wrappingTextBoxFlag xmlns:ma14="http://schemas.microsoft.com/office/mac/drawingml/2011/main" xmlns:a14="http://schemas.microsoft.com/office/drawing/2010/main" xmlns:m="http://schemas.openxmlformats.org/officeDocument/2006/math" xmlns="" val="1"/>
+              <ma14:wrappingTextBoxFlag xmlns="" xmlns:m="http://schemas.openxmlformats.org/officeDocument/2006/math" xmlns:a14="http://schemas.microsoft.com/office/drawing/2010/main" xmlns:ma14="http://schemas.microsoft.com/office/mac/drawingml/2011/main" val="1"/>
             </a:ext>
           </a:extLst>
         </p:spPr>
@@ -7554,7 +7706,7 @@
           </a:ln>
           <a:extLst>
             <a:ext uri="{C572A759-6A51-4108-AA02-DFA0A04FC94B}">
-              <ma14:wrappingTextBoxFlag xmlns:ma14="http://schemas.microsoft.com/office/mac/drawingml/2011/main" xmlns:a14="http://schemas.microsoft.com/office/drawing/2010/main" xmlns:m="http://schemas.openxmlformats.org/officeDocument/2006/math" xmlns="" val="1"/>
+              <ma14:wrappingTextBoxFlag xmlns="" xmlns:m="http://schemas.openxmlformats.org/officeDocument/2006/math" xmlns:a14="http://schemas.microsoft.com/office/drawing/2010/main" xmlns:ma14="http://schemas.microsoft.com/office/mac/drawingml/2011/main" val="1"/>
             </a:ext>
           </a:extLst>
         </p:spPr>
@@ -7666,7 +7818,7 @@
           </a:ln>
           <a:extLst>
             <a:ext uri="{C572A759-6A51-4108-AA02-DFA0A04FC94B}">
-              <ma14:wrappingTextBoxFlag xmlns:ma14="http://schemas.microsoft.com/office/mac/drawingml/2011/main" xmlns:a14="http://schemas.microsoft.com/office/drawing/2010/main" xmlns:m="http://schemas.openxmlformats.org/officeDocument/2006/math" xmlns="" val="1"/>
+              <ma14:wrappingTextBoxFlag xmlns="" xmlns:m="http://schemas.openxmlformats.org/officeDocument/2006/math" xmlns:a14="http://schemas.microsoft.com/office/drawing/2010/main" xmlns:ma14="http://schemas.microsoft.com/office/mac/drawingml/2011/main" val="1"/>
             </a:ext>
           </a:extLst>
         </p:spPr>
@@ -7712,7 +7864,7 @@
           </a:ln>
           <a:extLst>
             <a:ext uri="{C572A759-6A51-4108-AA02-DFA0A04FC94B}">
-              <ma14:wrappingTextBoxFlag xmlns:ma14="http://schemas.microsoft.com/office/mac/drawingml/2011/main" xmlns:a14="http://schemas.microsoft.com/office/drawing/2010/main" xmlns:m="http://schemas.openxmlformats.org/officeDocument/2006/math" xmlns="" val="1"/>
+              <ma14:wrappingTextBoxFlag xmlns="" xmlns:m="http://schemas.openxmlformats.org/officeDocument/2006/math" xmlns:a14="http://schemas.microsoft.com/office/drawing/2010/main" xmlns:ma14="http://schemas.microsoft.com/office/mac/drawingml/2011/main" val="1"/>
             </a:ext>
           </a:extLst>
         </p:spPr>
@@ -7757,7 +7909,7 @@
             </a:r>
             <a:r>
               <a:rPr lang="ru-RU" sz="4800" dirty="0"/>
-              <a:t>-деревья, оценку сложности основных операций и эффективности по представлению в оперативной памяти в задаче индексирования структурированных данных.</a:t>
+              <a:t>-деревья, эмпирическую оценку сложности основных операций и эффективности по представлению в оперативной памяти в задаче индексирования структурированных данных.</a:t>
             </a:r>
           </a:p>
           <a:p>
@@ -7801,7 +7953,7 @@
           </a:ln>
           <a:extLst>
             <a:ext uri="{C572A759-6A51-4108-AA02-DFA0A04FC94B}">
-              <ma14:wrappingTextBoxFlag xmlns:ma14="http://schemas.microsoft.com/office/mac/drawingml/2011/main" xmlns:a14="http://schemas.microsoft.com/office/drawing/2010/main" xmlns:m="http://schemas.openxmlformats.org/officeDocument/2006/math" xmlns="" val="1"/>
+              <ma14:wrappingTextBoxFlag xmlns="" xmlns:m="http://schemas.openxmlformats.org/officeDocument/2006/math" xmlns:a14="http://schemas.microsoft.com/office/drawing/2010/main" xmlns:ma14="http://schemas.microsoft.com/office/mac/drawingml/2011/main" val="1"/>
             </a:ext>
           </a:extLst>
         </p:spPr>
@@ -7848,7 +8000,7 @@
           </a:ln>
           <a:extLst>
             <a:ext uri="{C572A759-6A51-4108-AA02-DFA0A04FC94B}">
-              <ma14:wrappingTextBoxFlag xmlns:ma14="http://schemas.microsoft.com/office/mac/drawingml/2011/main" xmlns:a14="http://schemas.microsoft.com/office/drawing/2010/main" xmlns:m="http://schemas.openxmlformats.org/officeDocument/2006/math" xmlns="" val="1"/>
+              <ma14:wrappingTextBoxFlag xmlns="" xmlns:m="http://schemas.openxmlformats.org/officeDocument/2006/math" xmlns:a14="http://schemas.microsoft.com/office/drawing/2010/main" xmlns:ma14="http://schemas.microsoft.com/office/mac/drawingml/2011/main" val="1"/>
             </a:ext>
           </a:extLst>
         </p:spPr>
@@ -7952,7 +8104,7 @@
           </a:ln>
           <a:extLst>
             <a:ext uri="{C572A759-6A51-4108-AA02-DFA0A04FC94B}">
-              <ma14:wrappingTextBoxFlag xmlns:ma14="http://schemas.microsoft.com/office/mac/drawingml/2011/main" xmlns:a14="http://schemas.microsoft.com/office/drawing/2010/main" xmlns:m="http://schemas.openxmlformats.org/officeDocument/2006/math" xmlns="" val="1"/>
+              <ma14:wrappingTextBoxFlag xmlns="" xmlns:m="http://schemas.openxmlformats.org/officeDocument/2006/math" xmlns:a14="http://schemas.microsoft.com/office/drawing/2010/main" xmlns:ma14="http://schemas.microsoft.com/office/mac/drawingml/2011/main" val="1"/>
             </a:ext>
           </a:extLst>
         </p:spPr>
@@ -8120,7 +8272,7 @@
           </a:ln>
           <a:extLst>
             <a:ext uri="{C572A759-6A51-4108-AA02-DFA0A04FC94B}">
-              <ma14:wrappingTextBoxFlag xmlns:ma14="http://schemas.microsoft.com/office/mac/drawingml/2011/main" xmlns:a14="http://schemas.microsoft.com/office/drawing/2010/main" xmlns:m="http://schemas.openxmlformats.org/officeDocument/2006/math" xmlns="" val="1"/>
+              <ma14:wrappingTextBoxFlag xmlns="" xmlns:m="http://schemas.openxmlformats.org/officeDocument/2006/math" xmlns:a14="http://schemas.microsoft.com/office/drawing/2010/main" xmlns:ma14="http://schemas.microsoft.com/office/mac/drawingml/2011/main" val="1"/>
             </a:ext>
           </a:extLst>
         </p:spPr>
@@ -8200,7 +8352,7 @@
           </a:ln>
           <a:extLst>
             <a:ext uri="{C572A759-6A51-4108-AA02-DFA0A04FC94B}">
-              <ma14:wrappingTextBoxFlag xmlns:ma14="http://schemas.microsoft.com/office/mac/drawingml/2011/main" xmlns:a14="http://schemas.microsoft.com/office/drawing/2010/main" xmlns:m="http://schemas.openxmlformats.org/officeDocument/2006/math" xmlns="" val="1"/>
+              <ma14:wrappingTextBoxFlag xmlns="" xmlns:m="http://schemas.openxmlformats.org/officeDocument/2006/math" xmlns:a14="http://schemas.microsoft.com/office/drawing/2010/main" xmlns:ma14="http://schemas.microsoft.com/office/mac/drawingml/2011/main" val="1"/>
             </a:ext>
           </a:extLst>
         </p:spPr>
@@ -8368,7 +8520,7 @@
           </a:ln>
           <a:extLst>
             <a:ext uri="{C572A759-6A51-4108-AA02-DFA0A04FC94B}">
-              <ma14:wrappingTextBoxFlag xmlns:ma14="http://schemas.microsoft.com/office/mac/drawingml/2011/main" xmlns:a14="http://schemas.microsoft.com/office/drawing/2010/main" xmlns:m="http://schemas.openxmlformats.org/officeDocument/2006/math" xmlns="" val="1"/>
+              <ma14:wrappingTextBoxFlag xmlns="" xmlns:m="http://schemas.openxmlformats.org/officeDocument/2006/math" xmlns:a14="http://schemas.microsoft.com/office/drawing/2010/main" xmlns:ma14="http://schemas.microsoft.com/office/mac/drawingml/2011/main" val="1"/>
             </a:ext>
           </a:extLst>
         </p:spPr>
@@ -8448,7 +8600,7 @@
           </a:ln>
           <a:extLst>
             <a:ext uri="{C572A759-6A51-4108-AA02-DFA0A04FC94B}">
-              <ma14:wrappingTextBoxFlag xmlns:ma14="http://schemas.microsoft.com/office/mac/drawingml/2011/main" xmlns:a14="http://schemas.microsoft.com/office/drawing/2010/main" xmlns:m="http://schemas.openxmlformats.org/officeDocument/2006/math" xmlns="" val="1"/>
+              <ma14:wrappingTextBoxFlag xmlns="" xmlns:m="http://schemas.openxmlformats.org/officeDocument/2006/math" xmlns:a14="http://schemas.microsoft.com/office/drawing/2010/main" xmlns:ma14="http://schemas.microsoft.com/office/mac/drawingml/2011/main" val="1"/>
             </a:ext>
           </a:extLst>
         </p:spPr>
@@ -8616,7 +8768,7 @@
           </a:ln>
           <a:extLst>
             <a:ext uri="{C572A759-6A51-4108-AA02-DFA0A04FC94B}">
-              <ma14:wrappingTextBoxFlag xmlns:ma14="http://schemas.microsoft.com/office/mac/drawingml/2011/main" xmlns:a14="http://schemas.microsoft.com/office/drawing/2010/main" xmlns:m="http://schemas.openxmlformats.org/officeDocument/2006/math" xmlns="" val="1"/>
+              <ma14:wrappingTextBoxFlag xmlns="" xmlns:m="http://schemas.openxmlformats.org/officeDocument/2006/math" xmlns:a14="http://schemas.microsoft.com/office/drawing/2010/main" xmlns:ma14="http://schemas.microsoft.com/office/mac/drawingml/2011/main" val="1"/>
             </a:ext>
           </a:extLst>
         </p:spPr>
@@ -8696,7 +8848,7 @@
           </a:ln>
           <a:extLst>
             <a:ext uri="{C572A759-6A51-4108-AA02-DFA0A04FC94B}">
-              <ma14:wrappingTextBoxFlag xmlns:ma14="http://schemas.microsoft.com/office/mac/drawingml/2011/main" xmlns:a14="http://schemas.microsoft.com/office/drawing/2010/main" xmlns:m="http://schemas.openxmlformats.org/officeDocument/2006/math" xmlns="" val="1"/>
+              <ma14:wrappingTextBoxFlag xmlns="" xmlns:m="http://schemas.openxmlformats.org/officeDocument/2006/math" xmlns:a14="http://schemas.microsoft.com/office/drawing/2010/main" xmlns:ma14="http://schemas.microsoft.com/office/mac/drawingml/2011/main" val="1"/>
             </a:ext>
           </a:extLst>
         </p:spPr>
@@ -8864,7 +9016,7 @@
           </a:ln>
           <a:extLst>
             <a:ext uri="{C572A759-6A51-4108-AA02-DFA0A04FC94B}">
-              <ma14:wrappingTextBoxFlag xmlns:ma14="http://schemas.microsoft.com/office/mac/drawingml/2011/main" xmlns:a14="http://schemas.microsoft.com/office/drawing/2010/main" xmlns:m="http://schemas.openxmlformats.org/officeDocument/2006/math" xmlns="" val="1"/>
+              <ma14:wrappingTextBoxFlag xmlns="" xmlns:m="http://schemas.openxmlformats.org/officeDocument/2006/math" xmlns:a14="http://schemas.microsoft.com/office/drawing/2010/main" xmlns:ma14="http://schemas.microsoft.com/office/mac/drawingml/2011/main" val="1"/>
             </a:ext>
           </a:extLst>
         </p:spPr>
@@ -8944,7 +9096,7 @@
           </a:ln>
           <a:extLst>
             <a:ext uri="{C572A759-6A51-4108-AA02-DFA0A04FC94B}">
-              <ma14:wrappingTextBoxFlag xmlns:ma14="http://schemas.microsoft.com/office/mac/drawingml/2011/main" xmlns:a14="http://schemas.microsoft.com/office/drawing/2010/main" xmlns:m="http://schemas.openxmlformats.org/officeDocument/2006/math" xmlns="" val="1"/>
+              <ma14:wrappingTextBoxFlag xmlns="" xmlns:m="http://schemas.openxmlformats.org/officeDocument/2006/math" xmlns:a14="http://schemas.microsoft.com/office/drawing/2010/main" xmlns:ma14="http://schemas.microsoft.com/office/mac/drawingml/2011/main" val="1"/>
             </a:ext>
           </a:extLst>
         </p:spPr>
@@ -9151,7 +9303,7 @@
           </a:ln>
           <a:extLst>
             <a:ext uri="{C572A759-6A51-4108-AA02-DFA0A04FC94B}">
-              <ma14:wrappingTextBoxFlag xmlns:ma14="http://schemas.microsoft.com/office/mac/drawingml/2011/main" xmlns:a14="http://schemas.microsoft.com/office/drawing/2010/main" xmlns:m="http://schemas.openxmlformats.org/officeDocument/2006/math" xmlns="" val="1"/>
+              <ma14:wrappingTextBoxFlag xmlns="" xmlns:m="http://schemas.openxmlformats.org/officeDocument/2006/math" xmlns:a14="http://schemas.microsoft.com/office/drawing/2010/main" xmlns:ma14="http://schemas.microsoft.com/office/mac/drawingml/2011/main" val="1"/>
             </a:ext>
           </a:extLst>
         </p:spPr>
@@ -9231,7 +9383,7 @@
           </a:ln>
           <a:extLst>
             <a:ext uri="{C572A759-6A51-4108-AA02-DFA0A04FC94B}">
-              <ma14:wrappingTextBoxFlag xmlns:ma14="http://schemas.microsoft.com/office/mac/drawingml/2011/main" xmlns:a14="http://schemas.microsoft.com/office/drawing/2010/main" xmlns:m="http://schemas.openxmlformats.org/officeDocument/2006/math" xmlns="" val="1"/>
+              <ma14:wrappingTextBoxFlag xmlns="" xmlns:m="http://schemas.openxmlformats.org/officeDocument/2006/math" xmlns:a14="http://schemas.microsoft.com/office/drawing/2010/main" xmlns:ma14="http://schemas.microsoft.com/office/mac/drawingml/2011/main" val="1"/>
             </a:ext>
           </a:extLst>
         </p:spPr>
@@ -9399,7 +9551,7 @@
           </a:ln>
           <a:extLst>
             <a:ext uri="{C572A759-6A51-4108-AA02-DFA0A04FC94B}">
-              <ma14:wrappingTextBoxFlag xmlns:ma14="http://schemas.microsoft.com/office/mac/drawingml/2011/main" xmlns:a14="http://schemas.microsoft.com/office/drawing/2010/main" xmlns:m="http://schemas.openxmlformats.org/officeDocument/2006/math" xmlns="" val="1"/>
+              <ma14:wrappingTextBoxFlag xmlns="" xmlns:m="http://schemas.openxmlformats.org/officeDocument/2006/math" xmlns:a14="http://schemas.microsoft.com/office/drawing/2010/main" xmlns:ma14="http://schemas.microsoft.com/office/mac/drawingml/2011/main" val="1"/>
             </a:ext>
           </a:extLst>
         </p:spPr>
@@ -9479,7 +9631,7 @@
           </a:ln>
           <a:extLst>
             <a:ext uri="{C572A759-6A51-4108-AA02-DFA0A04FC94B}">
-              <ma14:wrappingTextBoxFlag xmlns:ma14="http://schemas.microsoft.com/office/mac/drawingml/2011/main" xmlns:a14="http://schemas.microsoft.com/office/drawing/2010/main" xmlns:m="http://schemas.openxmlformats.org/officeDocument/2006/math" xmlns="" val="1"/>
+              <ma14:wrappingTextBoxFlag xmlns="" xmlns:m="http://schemas.openxmlformats.org/officeDocument/2006/math" xmlns:a14="http://schemas.microsoft.com/office/drawing/2010/main" xmlns:ma14="http://schemas.microsoft.com/office/mac/drawingml/2011/main" val="1"/>
             </a:ext>
           </a:extLst>
         </p:spPr>
@@ -9686,7 +9838,7 @@
           </a:ln>
           <a:extLst>
             <a:ext uri="{C572A759-6A51-4108-AA02-DFA0A04FC94B}">
-              <ma14:wrappingTextBoxFlag xmlns:ma14="http://schemas.microsoft.com/office/mac/drawingml/2011/main" xmlns:a14="http://schemas.microsoft.com/office/drawing/2010/main" xmlns:m="http://schemas.openxmlformats.org/officeDocument/2006/math" xmlns="" val="1"/>
+              <ma14:wrappingTextBoxFlag xmlns="" xmlns:m="http://schemas.openxmlformats.org/officeDocument/2006/math" xmlns:a14="http://schemas.microsoft.com/office/drawing/2010/main" xmlns:ma14="http://schemas.microsoft.com/office/mac/drawingml/2011/main" val="1"/>
             </a:ext>
           </a:extLst>
         </p:spPr>
@@ -9766,7 +9918,7 @@
           </a:ln>
           <a:extLst>
             <a:ext uri="{C572A759-6A51-4108-AA02-DFA0A04FC94B}">
-              <ma14:wrappingTextBoxFlag xmlns:ma14="http://schemas.microsoft.com/office/mac/drawingml/2011/main" xmlns:a14="http://schemas.microsoft.com/office/drawing/2010/main" xmlns:m="http://schemas.openxmlformats.org/officeDocument/2006/math" xmlns="" val="1"/>
+              <ma14:wrappingTextBoxFlag xmlns="" xmlns:m="http://schemas.openxmlformats.org/officeDocument/2006/math" xmlns:a14="http://schemas.microsoft.com/office/drawing/2010/main" xmlns:ma14="http://schemas.microsoft.com/office/mac/drawingml/2011/main" val="1"/>
             </a:ext>
           </a:extLst>
         </p:spPr>
@@ -9934,7 +10086,7 @@
           </a:ln>
           <a:extLst>
             <a:ext uri="{C572A759-6A51-4108-AA02-DFA0A04FC94B}">
-              <ma14:wrappingTextBoxFlag xmlns:ma14="http://schemas.microsoft.com/office/mac/drawingml/2011/main" xmlns:a14="http://schemas.microsoft.com/office/drawing/2010/main" xmlns:m="http://schemas.openxmlformats.org/officeDocument/2006/math" xmlns="" val="1"/>
+              <ma14:wrappingTextBoxFlag xmlns="" xmlns:m="http://schemas.openxmlformats.org/officeDocument/2006/math" xmlns:a14="http://schemas.microsoft.com/office/drawing/2010/main" xmlns:ma14="http://schemas.microsoft.com/office/mac/drawingml/2011/main" val="1"/>
             </a:ext>
           </a:extLst>
         </p:spPr>
@@ -10014,7 +10166,7 @@
           </a:ln>
           <a:extLst>
             <a:ext uri="{C572A759-6A51-4108-AA02-DFA0A04FC94B}">
-              <ma14:wrappingTextBoxFlag xmlns:ma14="http://schemas.microsoft.com/office/mac/drawingml/2011/main" xmlns:a14="http://schemas.microsoft.com/office/drawing/2010/main" xmlns:m="http://schemas.openxmlformats.org/officeDocument/2006/math" xmlns="" val="1"/>
+              <ma14:wrappingTextBoxFlag xmlns="" xmlns:m="http://schemas.openxmlformats.org/officeDocument/2006/math" xmlns:a14="http://schemas.microsoft.com/office/drawing/2010/main" xmlns:ma14="http://schemas.microsoft.com/office/mac/drawingml/2011/main" val="1"/>
             </a:ext>
           </a:extLst>
         </p:spPr>
@@ -10221,7 +10373,7 @@
           </a:ln>
           <a:extLst>
             <a:ext uri="{C572A759-6A51-4108-AA02-DFA0A04FC94B}">
-              <ma14:wrappingTextBoxFlag xmlns:ma14="http://schemas.microsoft.com/office/mac/drawingml/2011/main" xmlns:a14="http://schemas.microsoft.com/office/drawing/2010/main" xmlns:m="http://schemas.openxmlformats.org/officeDocument/2006/math" xmlns="" val="1"/>
+              <ma14:wrappingTextBoxFlag xmlns="" xmlns:m="http://schemas.openxmlformats.org/officeDocument/2006/math" xmlns:a14="http://schemas.microsoft.com/office/drawing/2010/main" xmlns:ma14="http://schemas.microsoft.com/office/mac/drawingml/2011/main" val="1"/>
             </a:ext>
           </a:extLst>
         </p:spPr>
@@ -10301,7 +10453,7 @@
           </a:ln>
           <a:extLst>
             <a:ext uri="{C572A759-6A51-4108-AA02-DFA0A04FC94B}">
-              <ma14:wrappingTextBoxFlag xmlns:ma14="http://schemas.microsoft.com/office/mac/drawingml/2011/main" xmlns:a14="http://schemas.microsoft.com/office/drawing/2010/main" xmlns:m="http://schemas.openxmlformats.org/officeDocument/2006/math" xmlns="" val="1"/>
+              <ma14:wrappingTextBoxFlag xmlns="" xmlns:m="http://schemas.openxmlformats.org/officeDocument/2006/math" xmlns:a14="http://schemas.microsoft.com/office/drawing/2010/main" xmlns:ma14="http://schemas.microsoft.com/office/mac/drawingml/2011/main" val="1"/>
             </a:ext>
           </a:extLst>
         </p:spPr>
@@ -10469,7 +10621,7 @@
           </a:ln>
           <a:extLst>
             <a:ext uri="{C572A759-6A51-4108-AA02-DFA0A04FC94B}">
-              <ma14:wrappingTextBoxFlag xmlns:ma14="http://schemas.microsoft.com/office/mac/drawingml/2011/main" xmlns:a14="http://schemas.microsoft.com/office/drawing/2010/main" xmlns:m="http://schemas.openxmlformats.org/officeDocument/2006/math" xmlns="" val="1"/>
+              <ma14:wrappingTextBoxFlag xmlns="" xmlns:m="http://schemas.openxmlformats.org/officeDocument/2006/math" xmlns:a14="http://schemas.microsoft.com/office/drawing/2010/main" xmlns:ma14="http://schemas.microsoft.com/office/mac/drawingml/2011/main" val="1"/>
             </a:ext>
           </a:extLst>
         </p:spPr>
@@ -10551,7 +10703,7 @@
               </a:ln>
               <a:extLst>
                 <a:ext uri="{C572A759-6A51-4108-AA02-DFA0A04FC94B}">
-                  <ma14:wrappingTextBoxFlag xmlns:ma14="http://schemas.microsoft.com/office/mac/drawingml/2011/main" xmlns:m="http://schemas.openxmlformats.org/officeDocument/2006/math" xmlns="" val="1"/>
+                  <ma14:wrappingTextBoxFlag xmlns="" xmlns:m="http://schemas.openxmlformats.org/officeDocument/2006/math" xmlns:ma14="http://schemas.microsoft.com/office/mac/drawingml/2011/main" val="1"/>
                 </a:ext>
               </a:extLst>
             </p:spPr>
@@ -10745,14 +10897,28 @@
                 </a14:m>
                 <a:r>
                   <a:rPr lang="ru-RU" sz="4000" dirty="0"/>
-                  <a:t>-й ключ данного узла</a:t>
+                  <a:t>-й ключ данного узла </a:t>
                 </a:r>
                 <a:r>
-                  <a:rPr lang="en-US" sz="4000" dirty="0"/>
-                  <a:t> [1]</a:t>
+                  <a:rPr lang="en-US" sz="4000" dirty="0">
+                    <a:solidFill>
+                      <a:srgbClr val="253957"/>
+                    </a:solidFill>
+                    <a:latin typeface="+mn-lt"/>
+                    <a:ea typeface="+mn-ea"/>
+                    <a:cs typeface="+mn-cs"/>
+                  </a:rPr>
+                  <a:t>[1]</a:t>
                 </a:r>
                 <a:r>
-                  <a:rPr lang="ru-RU" sz="4000" dirty="0"/>
+                  <a:rPr lang="ru-RU" sz="4000" dirty="0">
+                    <a:solidFill>
+                      <a:srgbClr val="253957"/>
+                    </a:solidFill>
+                    <a:latin typeface="+mn-lt"/>
+                    <a:ea typeface="+mn-ea"/>
+                    <a:cs typeface="+mn-cs"/>
+                  </a:rPr>
                   <a:t>.</a:t>
                 </a:r>
               </a:p>
@@ -11076,7 +11242,7 @@
               </a:ln>
               <a:extLst>
                 <a:ext uri="{C572A759-6A51-4108-AA02-DFA0A04FC94B}">
-                  <ma14:wrappingTextBoxFlag xmlns:ma14="http://schemas.microsoft.com/office/mac/drawingml/2011/main" xmlns:a14="http://schemas.microsoft.com/office/drawing/2010/main" xmlns:m="http://schemas.openxmlformats.org/officeDocument/2006/math" xmlns="" val="1"/>
+                  <ma14:wrappingTextBoxFlag xmlns="" xmlns:m="http://schemas.openxmlformats.org/officeDocument/2006/math" xmlns:ma14="http://schemas.microsoft.com/office/mac/drawingml/2011/main" xmlns:a14="http://schemas.microsoft.com/office/drawing/2010/main" val="1"/>
                 </a:ext>
               </a:extLst>
             </p:spPr>
@@ -11114,7 +11280,7 @@
           </a:ln>
           <a:extLst>
             <a:ext uri="{C572A759-6A51-4108-AA02-DFA0A04FC94B}">
-              <ma14:wrappingTextBoxFlag xmlns:ma14="http://schemas.microsoft.com/office/mac/drawingml/2011/main" xmlns:a14="http://schemas.microsoft.com/office/drawing/2010/main" xmlns:m="http://schemas.openxmlformats.org/officeDocument/2006/math" xmlns="" val="1"/>
+              <ma14:wrappingTextBoxFlag xmlns="" xmlns:m="http://schemas.openxmlformats.org/officeDocument/2006/math" xmlns:a14="http://schemas.microsoft.com/office/drawing/2010/main" xmlns:ma14="http://schemas.microsoft.com/office/mac/drawingml/2011/main" val="1"/>
             </a:ext>
           </a:extLst>
         </p:spPr>
@@ -11160,7 +11326,7 @@
           </a:ln>
           <a:extLst>
             <a:ext uri="{C572A759-6A51-4108-AA02-DFA0A04FC94B}">
-              <ma14:wrappingTextBoxFlag xmlns:ma14="http://schemas.microsoft.com/office/mac/drawingml/2011/main" xmlns:a14="http://schemas.microsoft.com/office/drawing/2010/main" xmlns:m="http://schemas.openxmlformats.org/officeDocument/2006/math" xmlns="" val="1"/>
+              <ma14:wrappingTextBoxFlag xmlns="" xmlns:m="http://schemas.openxmlformats.org/officeDocument/2006/math" xmlns:a14="http://schemas.microsoft.com/office/drawing/2010/main" xmlns:ma14="http://schemas.microsoft.com/office/mac/drawingml/2011/main" val="1"/>
             </a:ext>
           </a:extLst>
         </p:spPr>
@@ -11270,7 +11436,7 @@
           </a:ln>
           <a:extLst>
             <a:ext uri="{C572A759-6A51-4108-AA02-DFA0A04FC94B}">
-              <ma14:wrappingTextBoxFlag xmlns:ma14="http://schemas.microsoft.com/office/mac/drawingml/2011/main" xmlns:a14="http://schemas.microsoft.com/office/drawing/2010/main" xmlns:m="http://schemas.openxmlformats.org/officeDocument/2006/math" xmlns="" val="1"/>
+              <ma14:wrappingTextBoxFlag xmlns="" xmlns:m="http://schemas.openxmlformats.org/officeDocument/2006/math" xmlns:a14="http://schemas.microsoft.com/office/drawing/2010/main" xmlns:ma14="http://schemas.microsoft.com/office/mac/drawingml/2011/main" val="1"/>
             </a:ext>
           </a:extLst>
         </p:spPr>
@@ -11297,6 +11463,158 @@
               <a:t>Департамент программной инженерии ФКН</a:t>
             </a:r>
             <a:endParaRPr dirty="0"/>
+          </a:p>
+        </p:txBody>
+      </p:sp>
+      <p:sp>
+        <p:nvSpPr>
+          <p:cNvPr id="2" name="TextBox 1">
+            <a:extLst>
+              <a:ext uri="{FF2B5EF4-FFF2-40B4-BE49-F238E27FC236}">
+                <a16:creationId xmlns:a16="http://schemas.microsoft.com/office/drawing/2014/main" id="{973E94C5-886C-4496-8CCA-FF02ADEAD91E}"/>
+              </a:ext>
+            </a:extLst>
+          </p:cNvPr>
+          <p:cNvSpPr txBox="1"/>
+          <p:nvPr/>
+        </p:nvSpPr>
+        <p:spPr>
+          <a:xfrm>
+            <a:off x="14208224" y="12340624"/>
+            <a:ext cx="10175776" cy="1375376"/>
+          </a:xfrm>
+          <a:prstGeom prst="rect">
+            <a:avLst/>
+          </a:prstGeom>
+          <a:noFill/>
+          <a:ln w="12700" cap="flat">
+            <a:noFill/>
+            <a:miter lim="400000"/>
+          </a:ln>
+          <a:effectLst/>
+          <a:sp3d/>
+        </p:spPr>
+        <p:style>
+          <a:lnRef idx="0">
+            <a:scrgbClr r="0" g="0" b="0"/>
+          </a:lnRef>
+          <a:fillRef idx="0">
+            <a:scrgbClr r="0" g="0" b="0"/>
+          </a:fillRef>
+          <a:effectRef idx="0">
+            <a:scrgbClr r="0" g="0" b="0"/>
+          </a:effectRef>
+          <a:fontRef idx="none"/>
+        </p:style>
+        <p:txBody>
+          <a:bodyPr rot="0" spcFirstLastPara="1" vertOverflow="overflow" horzOverflow="overflow" vert="horz" wrap="square" lIns="71437" tIns="71437" rIns="71437" bIns="71437" numCol="1" spcCol="38100" rtlCol="0" anchor="ctr">
+            <a:spAutoFit/>
+          </a:bodyPr>
+          <a:lstStyle/>
+          <a:p>
+            <a:pPr algn="l"/>
+            <a:r>
+              <a:rPr lang="en-US" sz="4000" dirty="0">
+                <a:solidFill>
+                  <a:srgbClr val="253957"/>
+                </a:solidFill>
+                <a:latin typeface="+mn-lt"/>
+                <a:ea typeface="+mn-ea"/>
+                <a:cs typeface="+mn-cs"/>
+              </a:rPr>
+              <a:t>[1]</a:t>
+            </a:r>
+            <a:r>
+              <a:rPr lang="ru-RU" sz="4000" dirty="0">
+                <a:solidFill>
+                  <a:srgbClr val="253957"/>
+                </a:solidFill>
+                <a:latin typeface="+mn-lt"/>
+                <a:ea typeface="+mn-ea"/>
+                <a:cs typeface="+mn-cs"/>
+              </a:rPr>
+              <a:t> Т. </a:t>
+            </a:r>
+            <a:r>
+              <a:rPr lang="ru-RU" sz="4000" dirty="0" err="1">
+                <a:solidFill>
+                  <a:srgbClr val="253957"/>
+                </a:solidFill>
+                <a:latin typeface="+mn-lt"/>
+                <a:ea typeface="+mn-ea"/>
+                <a:cs typeface="+mn-cs"/>
+              </a:rPr>
+              <a:t>Кормен</a:t>
+            </a:r>
+            <a:r>
+              <a:rPr lang="ru-RU" sz="4000" dirty="0">
+                <a:solidFill>
+                  <a:srgbClr val="253957"/>
+                </a:solidFill>
+                <a:latin typeface="+mn-lt"/>
+                <a:ea typeface="+mn-ea"/>
+                <a:cs typeface="+mn-cs"/>
+              </a:rPr>
+              <a:t>, Ч. </a:t>
+            </a:r>
+            <a:r>
+              <a:rPr lang="ru-RU" sz="4000" dirty="0" err="1">
+                <a:solidFill>
+                  <a:srgbClr val="253957"/>
+                </a:solidFill>
+                <a:latin typeface="+mn-lt"/>
+                <a:ea typeface="+mn-ea"/>
+                <a:cs typeface="+mn-cs"/>
+              </a:rPr>
+              <a:t>Лейзерсон</a:t>
+            </a:r>
+            <a:r>
+              <a:rPr lang="ru-RU" sz="4000" dirty="0">
+                <a:solidFill>
+                  <a:srgbClr val="253957"/>
+                </a:solidFill>
+                <a:latin typeface="+mn-lt"/>
+                <a:ea typeface="+mn-ea"/>
+                <a:cs typeface="+mn-cs"/>
+              </a:rPr>
+              <a:t>, Р. </a:t>
+            </a:r>
+            <a:r>
+              <a:rPr lang="ru-RU" sz="4000" dirty="0" err="1">
+                <a:solidFill>
+                  <a:srgbClr val="253957"/>
+                </a:solidFill>
+                <a:latin typeface="+mn-lt"/>
+                <a:ea typeface="+mn-ea"/>
+                <a:cs typeface="+mn-cs"/>
+              </a:rPr>
+              <a:t>Ривест</a:t>
+            </a:r>
+            <a:r>
+              <a:rPr lang="ru-RU" sz="4000" dirty="0">
+                <a:solidFill>
+                  <a:srgbClr val="253957"/>
+                </a:solidFill>
+                <a:latin typeface="+mn-lt"/>
+                <a:ea typeface="+mn-ea"/>
+                <a:cs typeface="+mn-cs"/>
+              </a:rPr>
+              <a:t>, К. Штайн. Алгоритмы: построение и анализ. 3-е изд.</a:t>
+            </a:r>
+            <a:endParaRPr kumimoji="0" lang="ru-RU" sz="5000" b="0" i="0" u="none" strike="noStrike" cap="none" spc="0" normalizeH="0" baseline="0" dirty="0">
+              <a:ln>
+                <a:noFill/>
+              </a:ln>
+              <a:solidFill>
+                <a:srgbClr val="000000"/>
+              </a:solidFill>
+              <a:effectLst/>
+              <a:uFillTx/>
+              <a:latin typeface="+mj-lt"/>
+              <a:ea typeface="+mj-ea"/>
+              <a:cs typeface="+mj-cs"/>
+              <a:sym typeface="Helvetica Light"/>
+            </a:endParaRPr>
           </a:p>
         </p:txBody>
       </p:sp>
@@ -11345,7 +11663,7 @@
           </a:ln>
           <a:extLst>
             <a:ext uri="{C572A759-6A51-4108-AA02-DFA0A04FC94B}">
-              <ma14:wrappingTextBoxFlag xmlns:ma14="http://schemas.microsoft.com/office/mac/drawingml/2011/main" xmlns:a14="http://schemas.microsoft.com/office/drawing/2010/main" xmlns:m="http://schemas.openxmlformats.org/officeDocument/2006/math" xmlns="" val="1"/>
+              <ma14:wrappingTextBoxFlag xmlns="" xmlns:m="http://schemas.openxmlformats.org/officeDocument/2006/math" xmlns:a14="http://schemas.microsoft.com/office/drawing/2010/main" xmlns:ma14="http://schemas.microsoft.com/office/mac/drawingml/2011/main" val="1"/>
             </a:ext>
           </a:extLst>
         </p:spPr>
@@ -11552,7 +11870,7 @@
           </a:ln>
           <a:extLst>
             <a:ext uri="{C572A759-6A51-4108-AA02-DFA0A04FC94B}">
-              <ma14:wrappingTextBoxFlag xmlns:ma14="http://schemas.microsoft.com/office/mac/drawingml/2011/main" xmlns:a14="http://schemas.microsoft.com/office/drawing/2010/main" xmlns:m="http://schemas.openxmlformats.org/officeDocument/2006/math" xmlns="" val="1"/>
+              <ma14:wrappingTextBoxFlag xmlns="" xmlns:m="http://schemas.openxmlformats.org/officeDocument/2006/math" xmlns:a14="http://schemas.microsoft.com/office/drawing/2010/main" xmlns:ma14="http://schemas.microsoft.com/office/mac/drawingml/2011/main" val="1"/>
             </a:ext>
           </a:extLst>
         </p:spPr>
@@ -11632,7 +11950,7 @@
           </a:ln>
           <a:extLst>
             <a:ext uri="{C572A759-6A51-4108-AA02-DFA0A04FC94B}">
-              <ma14:wrappingTextBoxFlag xmlns:ma14="http://schemas.microsoft.com/office/mac/drawingml/2011/main" xmlns:a14="http://schemas.microsoft.com/office/drawing/2010/main" xmlns:m="http://schemas.openxmlformats.org/officeDocument/2006/math" xmlns="" val="1"/>
+              <ma14:wrappingTextBoxFlag xmlns="" xmlns:m="http://schemas.openxmlformats.org/officeDocument/2006/math" xmlns:a14="http://schemas.microsoft.com/office/drawing/2010/main" xmlns:ma14="http://schemas.microsoft.com/office/mac/drawingml/2011/main" val="1"/>
             </a:ext>
           </a:extLst>
         </p:spPr>
@@ -11869,7 +12187,7 @@
           </a:ln>
           <a:extLst>
             <a:ext uri="{C572A759-6A51-4108-AA02-DFA0A04FC94B}">
-              <ma14:wrappingTextBoxFlag xmlns:ma14="http://schemas.microsoft.com/office/mac/drawingml/2011/main" xmlns:a14="http://schemas.microsoft.com/office/drawing/2010/main" xmlns:m="http://schemas.openxmlformats.org/officeDocument/2006/math" xmlns="" val="1"/>
+              <ma14:wrappingTextBoxFlag xmlns="" xmlns:m="http://schemas.openxmlformats.org/officeDocument/2006/math" xmlns:a14="http://schemas.microsoft.com/office/drawing/2010/main" xmlns:ma14="http://schemas.microsoft.com/office/mac/drawingml/2011/main" val="1"/>
             </a:ext>
           </a:extLst>
         </p:spPr>
@@ -11915,7 +12233,7 @@
           </a:ln>
           <a:extLst>
             <a:ext uri="{C572A759-6A51-4108-AA02-DFA0A04FC94B}">
-              <ma14:wrappingTextBoxFlag xmlns:ma14="http://schemas.microsoft.com/office/mac/drawingml/2011/main" xmlns:a14="http://schemas.microsoft.com/office/drawing/2010/main" xmlns:m="http://schemas.openxmlformats.org/officeDocument/2006/math" xmlns="" val="1"/>
+              <ma14:wrappingTextBoxFlag xmlns="" xmlns:m="http://schemas.openxmlformats.org/officeDocument/2006/math" xmlns:a14="http://schemas.microsoft.com/office/drawing/2010/main" xmlns:ma14="http://schemas.microsoft.com/office/mac/drawingml/2011/main" val="1"/>
             </a:ext>
           </a:extLst>
         </p:spPr>
@@ -12025,7 +12343,7 @@
           </a:ln>
           <a:extLst>
             <a:ext uri="{C572A759-6A51-4108-AA02-DFA0A04FC94B}">
-              <ma14:wrappingTextBoxFlag xmlns:ma14="http://schemas.microsoft.com/office/mac/drawingml/2011/main" xmlns:a14="http://schemas.microsoft.com/office/drawing/2010/main" xmlns:m="http://schemas.openxmlformats.org/officeDocument/2006/math" xmlns="" val="1"/>
+              <ma14:wrappingTextBoxFlag xmlns="" xmlns:m="http://schemas.openxmlformats.org/officeDocument/2006/math" xmlns:a14="http://schemas.microsoft.com/office/drawing/2010/main" xmlns:ma14="http://schemas.microsoft.com/office/mac/drawingml/2011/main" val="1"/>
             </a:ext>
           </a:extLst>
         </p:spPr>
@@ -12105,7 +12423,7 @@
           </a:ln>
           <a:extLst>
             <a:ext uri="{C572A759-6A51-4108-AA02-DFA0A04FC94B}">
-              <ma14:wrappingTextBoxFlag xmlns:ma14="http://schemas.microsoft.com/office/mac/drawingml/2011/main" xmlns:a14="http://schemas.microsoft.com/office/drawing/2010/main" xmlns:m="http://schemas.openxmlformats.org/officeDocument/2006/math" xmlns="" val="1"/>
+              <ma14:wrappingTextBoxFlag xmlns="" xmlns:m="http://schemas.openxmlformats.org/officeDocument/2006/math" xmlns:a14="http://schemas.microsoft.com/office/drawing/2010/main" xmlns:ma14="http://schemas.microsoft.com/office/mac/drawingml/2011/main" val="1"/>
             </a:ext>
           </a:extLst>
         </p:spPr>
@@ -12310,7 +12628,7 @@
           </a:ln>
           <a:extLst>
             <a:ext uri="{C572A759-6A51-4108-AA02-DFA0A04FC94B}">
-              <ma14:wrappingTextBoxFlag xmlns:ma14="http://schemas.microsoft.com/office/mac/drawingml/2011/main" xmlns:a14="http://schemas.microsoft.com/office/drawing/2010/main" xmlns:m="http://schemas.openxmlformats.org/officeDocument/2006/math" xmlns="" val="1"/>
+              <ma14:wrappingTextBoxFlag xmlns="" xmlns:m="http://schemas.openxmlformats.org/officeDocument/2006/math" xmlns:a14="http://schemas.microsoft.com/office/drawing/2010/main" xmlns:ma14="http://schemas.microsoft.com/office/mac/drawingml/2011/main" val="1"/>
             </a:ext>
           </a:extLst>
         </p:spPr>
@@ -12356,7 +12674,7 @@
           </a:ln>
           <a:extLst>
             <a:ext uri="{C572A759-6A51-4108-AA02-DFA0A04FC94B}">
-              <ma14:wrappingTextBoxFlag xmlns:ma14="http://schemas.microsoft.com/office/mac/drawingml/2011/main" xmlns:a14="http://schemas.microsoft.com/office/drawing/2010/main" xmlns:m="http://schemas.openxmlformats.org/officeDocument/2006/math" xmlns="" val="1"/>
+              <ma14:wrappingTextBoxFlag xmlns="" xmlns:m="http://schemas.openxmlformats.org/officeDocument/2006/math" xmlns:a14="http://schemas.microsoft.com/office/drawing/2010/main" xmlns:ma14="http://schemas.microsoft.com/office/mac/drawingml/2011/main" val="1"/>
             </a:ext>
           </a:extLst>
         </p:spPr>
@@ -12466,7 +12784,7 @@
           </a:ln>
           <a:extLst>
             <a:ext uri="{C572A759-6A51-4108-AA02-DFA0A04FC94B}">
-              <ma14:wrappingTextBoxFlag xmlns:ma14="http://schemas.microsoft.com/office/mac/drawingml/2011/main" xmlns:a14="http://schemas.microsoft.com/office/drawing/2010/main" xmlns:m="http://schemas.openxmlformats.org/officeDocument/2006/math" xmlns="" val="1"/>
+              <ma14:wrappingTextBoxFlag xmlns="" xmlns:m="http://schemas.openxmlformats.org/officeDocument/2006/math" xmlns:a14="http://schemas.microsoft.com/office/drawing/2010/main" xmlns:ma14="http://schemas.microsoft.com/office/mac/drawingml/2011/main" val="1"/>
             </a:ext>
           </a:extLst>
         </p:spPr>
@@ -12546,7 +12864,7 @@
           </a:ln>
           <a:extLst>
             <a:ext uri="{C572A759-6A51-4108-AA02-DFA0A04FC94B}">
-              <ma14:wrappingTextBoxFlag xmlns:ma14="http://schemas.microsoft.com/office/mac/drawingml/2011/main" xmlns:a14="http://schemas.microsoft.com/office/drawing/2010/main" xmlns:m="http://schemas.openxmlformats.org/officeDocument/2006/math" xmlns="" val="1"/>
+              <ma14:wrappingTextBoxFlag xmlns="" xmlns:m="http://schemas.openxmlformats.org/officeDocument/2006/math" xmlns:a14="http://schemas.microsoft.com/office/drawing/2010/main" xmlns:ma14="http://schemas.microsoft.com/office/mac/drawingml/2011/main" val="1"/>
             </a:ext>
           </a:extLst>
         </p:spPr>
@@ -12706,7 +13024,7 @@
           </a:ln>
           <a:extLst>
             <a:ext uri="{C572A759-6A51-4108-AA02-DFA0A04FC94B}">
-              <ma14:wrappingTextBoxFlag xmlns:ma14="http://schemas.microsoft.com/office/mac/drawingml/2011/main" xmlns:a14="http://schemas.microsoft.com/office/drawing/2010/main" xmlns:m="http://schemas.openxmlformats.org/officeDocument/2006/math" xmlns="" val="1"/>
+              <ma14:wrappingTextBoxFlag xmlns="" xmlns:m="http://schemas.openxmlformats.org/officeDocument/2006/math" xmlns:a14="http://schemas.microsoft.com/office/drawing/2010/main" xmlns:ma14="http://schemas.microsoft.com/office/mac/drawingml/2011/main" val="1"/>
             </a:ext>
           </a:extLst>
         </p:spPr>
@@ -12752,7 +13070,7 @@
           </a:ln>
           <a:extLst>
             <a:ext uri="{C572A759-6A51-4108-AA02-DFA0A04FC94B}">
-              <ma14:wrappingTextBoxFlag xmlns:ma14="http://schemas.microsoft.com/office/mac/drawingml/2011/main" xmlns:a14="http://schemas.microsoft.com/office/drawing/2010/main" xmlns:m="http://schemas.openxmlformats.org/officeDocument/2006/math" xmlns="" val="1"/>
+              <ma14:wrappingTextBoxFlag xmlns="" xmlns:m="http://schemas.openxmlformats.org/officeDocument/2006/math" xmlns:a14="http://schemas.microsoft.com/office/drawing/2010/main" xmlns:ma14="http://schemas.microsoft.com/office/mac/drawingml/2011/main" val="1"/>
             </a:ext>
           </a:extLst>
         </p:spPr>
@@ -12862,7 +13180,7 @@
           </a:ln>
           <a:extLst>
             <a:ext uri="{C572A759-6A51-4108-AA02-DFA0A04FC94B}">
-              <ma14:wrappingTextBoxFlag xmlns:ma14="http://schemas.microsoft.com/office/mac/drawingml/2011/main" xmlns:a14="http://schemas.microsoft.com/office/drawing/2010/main" xmlns:m="http://schemas.openxmlformats.org/officeDocument/2006/math" xmlns="" val="1"/>
+              <ma14:wrappingTextBoxFlag xmlns="" xmlns:m="http://schemas.openxmlformats.org/officeDocument/2006/math" xmlns:a14="http://schemas.microsoft.com/office/drawing/2010/main" xmlns:ma14="http://schemas.microsoft.com/office/mac/drawingml/2011/main" val="1"/>
             </a:ext>
           </a:extLst>
         </p:spPr>
@@ -12942,7 +13260,7 @@
           </a:ln>
           <a:extLst>
             <a:ext uri="{C572A759-6A51-4108-AA02-DFA0A04FC94B}">
-              <ma14:wrappingTextBoxFlag xmlns:ma14="http://schemas.microsoft.com/office/mac/drawingml/2011/main" xmlns:a14="http://schemas.microsoft.com/office/drawing/2010/main" xmlns:m="http://schemas.openxmlformats.org/officeDocument/2006/math" xmlns="" val="1"/>
+              <ma14:wrappingTextBoxFlag xmlns="" xmlns:m="http://schemas.openxmlformats.org/officeDocument/2006/math" xmlns:a14="http://schemas.microsoft.com/office/drawing/2010/main" xmlns:ma14="http://schemas.microsoft.com/office/mac/drawingml/2011/main" val="1"/>
             </a:ext>
           </a:extLst>
         </p:spPr>
@@ -13108,7 +13426,7 @@
           </a:ln>
           <a:extLst>
             <a:ext uri="{C572A759-6A51-4108-AA02-DFA0A04FC94B}">
-              <ma14:wrappingTextBoxFlag xmlns:ma14="http://schemas.microsoft.com/office/mac/drawingml/2011/main" xmlns:a14="http://schemas.microsoft.com/office/drawing/2010/main" xmlns:m="http://schemas.openxmlformats.org/officeDocument/2006/math" xmlns="" val="1"/>
+              <ma14:wrappingTextBoxFlag xmlns="" xmlns:m="http://schemas.openxmlformats.org/officeDocument/2006/math" xmlns:a14="http://schemas.microsoft.com/office/drawing/2010/main" xmlns:ma14="http://schemas.microsoft.com/office/mac/drawingml/2011/main" val="1"/>
             </a:ext>
           </a:extLst>
         </p:spPr>
@@ -13154,7 +13472,7 @@
           </a:ln>
           <a:extLst>
             <a:ext uri="{C572A759-6A51-4108-AA02-DFA0A04FC94B}">
-              <ma14:wrappingTextBoxFlag xmlns:ma14="http://schemas.microsoft.com/office/mac/drawingml/2011/main" xmlns:a14="http://schemas.microsoft.com/office/drawing/2010/main" xmlns:m="http://schemas.openxmlformats.org/officeDocument/2006/math" xmlns="" val="1"/>
+              <ma14:wrappingTextBoxFlag xmlns="" xmlns:m="http://schemas.openxmlformats.org/officeDocument/2006/math" xmlns:a14="http://schemas.microsoft.com/office/drawing/2010/main" xmlns:ma14="http://schemas.microsoft.com/office/mac/drawingml/2011/main" val="1"/>
             </a:ext>
           </a:extLst>
         </p:spPr>
@@ -13264,7 +13582,7 @@
           </a:ln>
           <a:extLst>
             <a:ext uri="{C572A759-6A51-4108-AA02-DFA0A04FC94B}">
-              <ma14:wrappingTextBoxFlag xmlns:ma14="http://schemas.microsoft.com/office/mac/drawingml/2011/main" xmlns:a14="http://schemas.microsoft.com/office/drawing/2010/main" xmlns:m="http://schemas.openxmlformats.org/officeDocument/2006/math" xmlns="" val="1"/>
+              <ma14:wrappingTextBoxFlag xmlns="" xmlns:m="http://schemas.openxmlformats.org/officeDocument/2006/math" xmlns:a14="http://schemas.microsoft.com/office/drawing/2010/main" xmlns:ma14="http://schemas.microsoft.com/office/mac/drawingml/2011/main" val="1"/>
             </a:ext>
           </a:extLst>
         </p:spPr>
@@ -13344,7 +13662,7 @@
           </a:ln>
           <a:extLst>
             <a:ext uri="{C572A759-6A51-4108-AA02-DFA0A04FC94B}">
-              <ma14:wrappingTextBoxFlag xmlns:ma14="http://schemas.microsoft.com/office/mac/drawingml/2011/main" xmlns:a14="http://schemas.microsoft.com/office/drawing/2010/main" xmlns:m="http://schemas.openxmlformats.org/officeDocument/2006/math" xmlns="" val="1"/>
+              <ma14:wrappingTextBoxFlag xmlns="" xmlns:m="http://schemas.openxmlformats.org/officeDocument/2006/math" xmlns:a14="http://schemas.microsoft.com/office/drawing/2010/main" xmlns:ma14="http://schemas.microsoft.com/office/mac/drawingml/2011/main" val="1"/>
             </a:ext>
           </a:extLst>
         </p:spPr>
@@ -13520,7 +13838,7 @@
           </a:ln>
           <a:extLst>
             <a:ext uri="{C572A759-6A51-4108-AA02-DFA0A04FC94B}">
-              <ma14:wrappingTextBoxFlag xmlns:ma14="http://schemas.microsoft.com/office/mac/drawingml/2011/main" xmlns:a14="http://schemas.microsoft.com/office/drawing/2010/main" xmlns:m="http://schemas.openxmlformats.org/officeDocument/2006/math" xmlns="" val="1"/>
+              <ma14:wrappingTextBoxFlag xmlns="" xmlns:m="http://schemas.openxmlformats.org/officeDocument/2006/math" xmlns:a14="http://schemas.microsoft.com/office/drawing/2010/main" xmlns:ma14="http://schemas.microsoft.com/office/mac/drawingml/2011/main" val="1"/>
             </a:ext>
           </a:extLst>
         </p:spPr>
@@ -13566,7 +13884,7 @@
           </a:ln>
           <a:extLst>
             <a:ext uri="{C572A759-6A51-4108-AA02-DFA0A04FC94B}">
-              <ma14:wrappingTextBoxFlag xmlns:ma14="http://schemas.microsoft.com/office/mac/drawingml/2011/main" xmlns:a14="http://schemas.microsoft.com/office/drawing/2010/main" xmlns:m="http://schemas.openxmlformats.org/officeDocument/2006/math" xmlns="" val="1"/>
+              <ma14:wrappingTextBoxFlag xmlns="" xmlns:m="http://schemas.openxmlformats.org/officeDocument/2006/math" xmlns:a14="http://schemas.microsoft.com/office/drawing/2010/main" xmlns:ma14="http://schemas.microsoft.com/office/mac/drawingml/2011/main" val="1"/>
             </a:ext>
           </a:extLst>
         </p:spPr>
@@ -13676,7 +13994,7 @@
           </a:ln>
           <a:extLst>
             <a:ext uri="{C572A759-6A51-4108-AA02-DFA0A04FC94B}">
-              <ma14:wrappingTextBoxFlag xmlns:ma14="http://schemas.microsoft.com/office/mac/drawingml/2011/main" xmlns:a14="http://schemas.microsoft.com/office/drawing/2010/main" xmlns:m="http://schemas.openxmlformats.org/officeDocument/2006/math" xmlns="" val="1"/>
+              <ma14:wrappingTextBoxFlag xmlns="" xmlns:m="http://schemas.openxmlformats.org/officeDocument/2006/math" xmlns:a14="http://schemas.microsoft.com/office/drawing/2010/main" xmlns:ma14="http://schemas.microsoft.com/office/mac/drawingml/2011/main" val="1"/>
             </a:ext>
           </a:extLst>
         </p:spPr>
@@ -13756,7 +14074,7 @@
           </a:ln>
           <a:extLst>
             <a:ext uri="{C572A759-6A51-4108-AA02-DFA0A04FC94B}">
-              <ma14:wrappingTextBoxFlag xmlns:ma14="http://schemas.microsoft.com/office/mac/drawingml/2011/main" xmlns:a14="http://schemas.microsoft.com/office/drawing/2010/main" xmlns:m="http://schemas.openxmlformats.org/officeDocument/2006/math" xmlns="" val="1"/>
+              <ma14:wrappingTextBoxFlag xmlns="" xmlns:m="http://schemas.openxmlformats.org/officeDocument/2006/math" xmlns:a14="http://schemas.microsoft.com/office/drawing/2010/main" xmlns:ma14="http://schemas.microsoft.com/office/mac/drawingml/2011/main" val="1"/>
             </a:ext>
           </a:extLst>
         </p:spPr>
@@ -13842,55 +14160,6 @@
                 <a:schemeClr val="bg1"/>
               </a:solidFill>
             </a:endParaRPr>
-          </a:p>
-        </p:txBody>
-      </p:sp>
-      <p:sp>
-        <p:nvSpPr>
-          <p:cNvPr id="101" name="www.text"/>
-          <p:cNvSpPr txBox="1"/>
-          <p:nvPr/>
-        </p:nvSpPr>
-        <p:spPr>
-          <a:xfrm>
-            <a:off x="4436135" y="11371559"/>
-            <a:ext cx="3795425" cy="759822"/>
-          </a:xfrm>
-          <a:prstGeom prst="rect">
-            <a:avLst/>
-          </a:prstGeom>
-          <a:ln w="12700">
-            <a:miter lim="400000"/>
-          </a:ln>
-          <a:extLst>
-            <a:ext uri="{C572A759-6A51-4108-AA02-DFA0A04FC94B}">
-              <ma14:wrappingTextBoxFlag xmlns:ma14="http://schemas.microsoft.com/office/mac/drawingml/2011/main" xmlns:a14="http://schemas.microsoft.com/office/drawing/2010/main" xmlns:m="http://schemas.openxmlformats.org/officeDocument/2006/math" xmlns="" val="1"/>
-            </a:ext>
-          </a:extLst>
-        </p:spPr>
-        <p:txBody>
-          <a:bodyPr wrap="square" lIns="71437" tIns="71437" rIns="71437" bIns="71437" anchor="ctr">
-            <a:spAutoFit/>
-          </a:bodyPr>
-          <a:lstStyle>
-            <a:lvl1pPr algn="l" defTabSz="642937">
-              <a:defRPr sz="2400">
-                <a:solidFill>
-                  <a:srgbClr val="FFFFFF"/>
-                </a:solidFill>
-                <a:latin typeface="+mn-lt"/>
-                <a:ea typeface="+mn-ea"/>
-                <a:cs typeface="+mn-cs"/>
-                <a:sym typeface="Arial Narrow"/>
-              </a:defRPr>
-            </a:lvl1pPr>
-          </a:lstStyle>
-          <a:p>
-            <a:r>
-              <a:rPr lang="ru-RU" sz="4000" dirty="0"/>
-              <a:t>А.М. Ригин</a:t>
-            </a:r>
-            <a:endParaRPr sz="4000" dirty="0"/>
           </a:p>
         </p:txBody>
       </p:sp>
@@ -13937,7 +14206,7 @@
         </p:nvSpPr>
         <p:spPr>
           <a:xfrm>
-            <a:off x="9491742" y="8941597"/>
+            <a:off x="732178" y="11310002"/>
             <a:ext cx="5400516" cy="882933"/>
           </a:xfrm>
           <a:prstGeom prst="rect">
@@ -14025,8 +14294,8 @@
           <a:chExt cx="0" cy="0"/>
         </a:xfrm>
       </p:grpSpPr>
-      <mc:AlternateContent xmlns:mc="http://schemas.openxmlformats.org/markup-compatibility/2006">
-        <mc:Choice xmlns:a14="http://schemas.microsoft.com/office/drawing/2010/main" Requires="a14">
+      <mc:AlternateContent xmlns:mc="http://schemas.openxmlformats.org/markup-compatibility/2006" xmlns:a14="http://schemas.microsoft.com/office/drawing/2010/main">
+        <mc:Choice Requires="a14">
           <p:sp>
             <p:nvSpPr>
               <p:cNvPr id="93" name="Text Text Text Text Text Text Text Text Text Text Text Text Text Text Text Text Text Text Text Text Text Text Text Text Text Text Text Text Text Text Text Text Text Text Text Text Text Text Text Text Text Text Text Text Text Text Text Text Text Text Text Text Text Text Text Text Text Text Text Text Text Text Text Text Text Text Text Text Text Text Text Text Text Text Text Text Text Text Text Text Text Text Text Text Text Text Text Text Text Text Text Text Text Text Text Text Text Text Text Text Text Text Text Text Text Text Text Text…"/>
@@ -14046,7 +14315,7 @@
               </a:ln>
               <a:extLst>
                 <a:ext uri="{C572A759-6A51-4108-AA02-DFA0A04FC94B}">
-                  <ma14:wrappingTextBoxFlag xmlns:ma14="http://schemas.microsoft.com/office/mac/drawingml/2011/main" xmlns:m="http://schemas.openxmlformats.org/officeDocument/2006/math" xmlns="" val="1"/>
+                  <ma14:wrappingTextBoxFlag xmlns="" xmlns:m="http://schemas.openxmlformats.org/officeDocument/2006/math" xmlns:ma14="http://schemas.microsoft.com/office/mac/drawingml/2011/main" val="1"/>
                 </a:ext>
               </a:extLst>
             </p:spPr>
@@ -14291,7 +14560,7 @@
             </p:txBody>
           </p:sp>
         </mc:Choice>
-        <mc:Fallback>
+        <mc:Fallback xmlns="">
           <p:sp>
             <p:nvSpPr>
               <p:cNvPr id="93" name="Text Text Text Text Text Text Text Text Text Text Text Text Text Text Text Text Text Text Text Text Text Text Text Text Text Text Text Text Text Text Text Text Text Text Text Text Text Text Text Text Text Text Text Text Text Text Text Text Text Text Text Text Text Text Text Text Text Text Text Text Text Text Text Text Text Text Text Text Text Text Text Text Text Text Text Text Text Text Text Text Text Text Text Text Text Text Text Text Text Text Text Text Text Text Text Text Text Text Text Text Text Text Text Text Text Text Text Text…"/>
@@ -14357,7 +14626,7 @@
           </a:ln>
           <a:extLst>
             <a:ext uri="{C572A759-6A51-4108-AA02-DFA0A04FC94B}">
-              <ma14:wrappingTextBoxFlag xmlns:ma14="http://schemas.microsoft.com/office/mac/drawingml/2011/main" xmlns:a14="http://schemas.microsoft.com/office/drawing/2010/main" xmlns:m="http://schemas.openxmlformats.org/officeDocument/2006/math" xmlns="" val="1"/>
+              <ma14:wrappingTextBoxFlag xmlns="" xmlns:m="http://schemas.openxmlformats.org/officeDocument/2006/math" xmlns:a14="http://schemas.microsoft.com/office/drawing/2010/main" xmlns:ma14="http://schemas.microsoft.com/office/mac/drawingml/2011/main" val="1"/>
             </a:ext>
           </a:extLst>
         </p:spPr>
@@ -14403,7 +14672,7 @@
           </a:ln>
           <a:extLst>
             <a:ext uri="{C572A759-6A51-4108-AA02-DFA0A04FC94B}">
-              <ma14:wrappingTextBoxFlag xmlns:ma14="http://schemas.microsoft.com/office/mac/drawingml/2011/main" xmlns:a14="http://schemas.microsoft.com/office/drawing/2010/main" xmlns:m="http://schemas.openxmlformats.org/officeDocument/2006/math" xmlns="" val="1"/>
+              <ma14:wrappingTextBoxFlag xmlns="" xmlns:m="http://schemas.openxmlformats.org/officeDocument/2006/math" xmlns:a14="http://schemas.microsoft.com/office/drawing/2010/main" xmlns:ma14="http://schemas.microsoft.com/office/mac/drawingml/2011/main" val="1"/>
             </a:ext>
           </a:extLst>
         </p:spPr>
@@ -14513,7 +14782,7 @@
           </a:ln>
           <a:extLst>
             <a:ext uri="{C572A759-6A51-4108-AA02-DFA0A04FC94B}">
-              <ma14:wrappingTextBoxFlag xmlns:ma14="http://schemas.microsoft.com/office/mac/drawingml/2011/main" xmlns:a14="http://schemas.microsoft.com/office/drawing/2010/main" xmlns:m="http://schemas.openxmlformats.org/officeDocument/2006/math" xmlns="" val="1"/>
+              <ma14:wrappingTextBoxFlag xmlns="" xmlns:m="http://schemas.openxmlformats.org/officeDocument/2006/math" xmlns:a14="http://schemas.microsoft.com/office/drawing/2010/main" xmlns:ma14="http://schemas.microsoft.com/office/mac/drawingml/2011/main" val="1"/>
             </a:ext>
           </a:extLst>
         </p:spPr>
@@ -14540,6 +14809,201 @@
               <a:t>Департамент программной инженерии ФКН</a:t>
             </a:r>
             <a:endParaRPr dirty="0"/>
+          </a:p>
+        </p:txBody>
+      </p:sp>
+      <p:sp>
+        <p:nvSpPr>
+          <p:cNvPr id="3" name="TextBox 2">
+            <a:extLst>
+              <a:ext uri="{FF2B5EF4-FFF2-40B4-BE49-F238E27FC236}">
+                <a16:creationId xmlns:a16="http://schemas.microsoft.com/office/drawing/2014/main" id="{C32F6320-1EDA-4955-BBD2-F7E0A3EC9777}"/>
+              </a:ext>
+            </a:extLst>
+          </p:cNvPr>
+          <p:cNvSpPr txBox="1"/>
+          <p:nvPr/>
+        </p:nvSpPr>
+        <p:spPr>
+          <a:xfrm>
+            <a:off x="15238984" y="11601961"/>
+            <a:ext cx="9145016" cy="2114039"/>
+          </a:xfrm>
+          <a:prstGeom prst="rect">
+            <a:avLst/>
+          </a:prstGeom>
+          <a:noFill/>
+          <a:ln w="12700" cap="flat">
+            <a:noFill/>
+            <a:miter lim="400000"/>
+          </a:ln>
+          <a:effectLst/>
+          <a:sp3d/>
+        </p:spPr>
+        <p:style>
+          <a:lnRef idx="0">
+            <a:scrgbClr r="0" g="0" b="0"/>
+          </a:lnRef>
+          <a:fillRef idx="0">
+            <a:scrgbClr r="0" g="0" b="0"/>
+          </a:fillRef>
+          <a:effectRef idx="0">
+            <a:scrgbClr r="0" g="0" b="0"/>
+          </a:effectRef>
+          <a:fontRef idx="none"/>
+        </p:style>
+        <p:txBody>
+          <a:bodyPr rot="0" spcFirstLastPara="1" vertOverflow="overflow" horzOverflow="overflow" vert="horz" wrap="square" lIns="71437" tIns="71437" rIns="71437" bIns="71437" numCol="1" spcCol="38100" rtlCol="0" anchor="ctr">
+            <a:spAutoFit/>
+          </a:bodyPr>
+          <a:lstStyle/>
+          <a:p>
+            <a:pPr algn="l"/>
+            <a:r>
+              <a:rPr lang="en-US" sz="3200" dirty="0">
+                <a:solidFill>
+                  <a:srgbClr val="253957"/>
+                </a:solidFill>
+                <a:latin typeface="+mn-lt"/>
+                <a:ea typeface="+mn-ea"/>
+                <a:cs typeface="+mn-cs"/>
+              </a:rPr>
+              <a:t>[2]</a:t>
+            </a:r>
+            <a:r>
+              <a:rPr lang="ru-RU" sz="3200" dirty="0">
+                <a:solidFill>
+                  <a:srgbClr val="253957"/>
+                </a:solidFill>
+                <a:latin typeface="+mn-lt"/>
+                <a:ea typeface="+mn-ea"/>
+                <a:cs typeface="+mn-cs"/>
+              </a:rPr>
+              <a:t> Д. Кнут. Искусство программирования. Том 3. 2-е изд.</a:t>
+            </a:r>
+          </a:p>
+          <a:p>
+            <a:pPr algn="l"/>
+            <a:r>
+              <a:rPr lang="en-US" sz="3200" dirty="0">
+                <a:solidFill>
+                  <a:srgbClr val="253957"/>
+                </a:solidFill>
+                <a:latin typeface="+mn-lt"/>
+                <a:ea typeface="+mn-ea"/>
+                <a:cs typeface="+mn-cs"/>
+              </a:rPr>
+              <a:t>[5]</a:t>
+            </a:r>
+            <a:r>
+              <a:rPr lang="ru-RU" sz="3200" dirty="0">
+                <a:solidFill>
+                  <a:srgbClr val="253957"/>
+                </a:solidFill>
+                <a:latin typeface="+mn-lt"/>
+                <a:ea typeface="+mn-ea"/>
+                <a:cs typeface="+mn-cs"/>
+              </a:rPr>
+              <a:t> </a:t>
+            </a:r>
+            <a:r>
+              <a:rPr lang="en-US" sz="3200" dirty="0" err="1">
+                <a:solidFill>
+                  <a:srgbClr val="253957"/>
+                </a:solidFill>
+                <a:latin typeface="+mn-lt"/>
+                <a:ea typeface="+mn-ea"/>
+                <a:cs typeface="+mn-cs"/>
+              </a:rPr>
+              <a:t>Kerttu</a:t>
+            </a:r>
+            <a:r>
+              <a:rPr lang="en-US" sz="3200" dirty="0">
+                <a:solidFill>
+                  <a:srgbClr val="253957"/>
+                </a:solidFill>
+                <a:latin typeface="+mn-lt"/>
+                <a:ea typeface="+mn-ea"/>
+                <a:cs typeface="+mn-cs"/>
+              </a:rPr>
+              <a:t> </a:t>
+            </a:r>
+            <a:r>
+              <a:rPr lang="en-US" sz="3200" dirty="0" err="1">
+                <a:solidFill>
+                  <a:srgbClr val="253957"/>
+                </a:solidFill>
+                <a:latin typeface="+mn-lt"/>
+                <a:ea typeface="+mn-ea"/>
+                <a:cs typeface="+mn-cs"/>
+              </a:rPr>
+              <a:t>Pollari-Malmi</a:t>
+            </a:r>
+            <a:r>
+              <a:rPr lang="en-US" sz="3200" dirty="0">
+                <a:solidFill>
+                  <a:srgbClr val="253957"/>
+                </a:solidFill>
+                <a:latin typeface="+mn-lt"/>
+                <a:ea typeface="+mn-ea"/>
+                <a:cs typeface="+mn-cs"/>
+              </a:rPr>
+              <a:t>. B+-trees: </a:t>
+            </a:r>
+            <a:r>
+              <a:rPr lang="en-US" sz="3200" dirty="0">
+                <a:solidFill>
+                  <a:srgbClr val="253957"/>
+                </a:solidFill>
+                <a:latin typeface="+mn-lt"/>
+                <a:ea typeface="+mn-ea"/>
+                <a:cs typeface="+mn-cs"/>
+                <a:hlinkClick r:id="rId4"/>
+              </a:rPr>
+              <a:t>https://www.cs.helsinki.fi/u/mluukkai/tirak2010/B-tree.pdf</a:t>
+            </a:r>
+            <a:endParaRPr lang="en-US" sz="3200" dirty="0">
+              <a:solidFill>
+                <a:srgbClr val="253957"/>
+              </a:solidFill>
+              <a:latin typeface="+mn-lt"/>
+              <a:ea typeface="+mn-ea"/>
+              <a:cs typeface="+mn-cs"/>
+            </a:endParaRPr>
+          </a:p>
+          <a:p>
+            <a:pPr algn="l"/>
+            <a:r>
+              <a:rPr lang="en-US" sz="3200" dirty="0">
+                <a:solidFill>
+                  <a:srgbClr val="253957"/>
+                </a:solidFill>
+                <a:latin typeface="+mn-lt"/>
+                <a:ea typeface="+mn-ea"/>
+                <a:cs typeface="+mn-cs"/>
+              </a:rPr>
+              <a:t>[6] </a:t>
+            </a:r>
+            <a:r>
+              <a:rPr lang="en-US" sz="3200" dirty="0">
+                <a:solidFill>
+                  <a:srgbClr val="253957"/>
+                </a:solidFill>
+                <a:latin typeface="+mn-lt"/>
+                <a:ea typeface="+mn-ea"/>
+                <a:cs typeface="+mn-cs"/>
+                <a:hlinkClick r:id="rId5"/>
+              </a:rPr>
+              <a:t>https://xlinux.nist.gov/dads/HTML/bstartree.html</a:t>
+            </a:r>
+            <a:endParaRPr lang="ru-RU" sz="3200" dirty="0">
+              <a:solidFill>
+                <a:srgbClr val="253957"/>
+              </a:solidFill>
+              <a:latin typeface="+mn-lt"/>
+              <a:ea typeface="+mn-ea"/>
+              <a:cs typeface="+mn-cs"/>
+            </a:endParaRPr>
           </a:p>
         </p:txBody>
       </p:sp>
@@ -14593,7 +15057,7 @@
           </a:ln>
           <a:extLst>
             <a:ext uri="{C572A759-6A51-4108-AA02-DFA0A04FC94B}">
-              <ma14:wrappingTextBoxFlag xmlns:ma14="http://schemas.microsoft.com/office/mac/drawingml/2011/main" xmlns:a14="http://schemas.microsoft.com/office/drawing/2010/main" xmlns:m="http://schemas.openxmlformats.org/officeDocument/2006/math" xmlns="" val="1"/>
+              <ma14:wrappingTextBoxFlag xmlns="" xmlns:m="http://schemas.openxmlformats.org/officeDocument/2006/math" xmlns:a14="http://schemas.microsoft.com/office/drawing/2010/main" xmlns:ma14="http://schemas.microsoft.com/office/mac/drawingml/2011/main" val="1"/>
             </a:ext>
           </a:extLst>
         </p:spPr>
@@ -14639,7 +15103,7 @@
           </a:ln>
           <a:extLst>
             <a:ext uri="{C572A759-6A51-4108-AA02-DFA0A04FC94B}">
-              <ma14:wrappingTextBoxFlag xmlns:ma14="http://schemas.microsoft.com/office/mac/drawingml/2011/main" xmlns:a14="http://schemas.microsoft.com/office/drawing/2010/main" xmlns:m="http://schemas.openxmlformats.org/officeDocument/2006/math" xmlns="" val="1"/>
+              <ma14:wrappingTextBoxFlag xmlns="" xmlns:m="http://schemas.openxmlformats.org/officeDocument/2006/math" xmlns:a14="http://schemas.microsoft.com/office/drawing/2010/main" xmlns:ma14="http://schemas.microsoft.com/office/mac/drawingml/2011/main" val="1"/>
             </a:ext>
           </a:extLst>
         </p:spPr>
@@ -14883,7 +15347,7 @@
           </a:ln>
           <a:extLst>
             <a:ext uri="{C572A759-6A51-4108-AA02-DFA0A04FC94B}">
-              <ma14:wrappingTextBoxFlag xmlns:ma14="http://schemas.microsoft.com/office/mac/drawingml/2011/main" xmlns:a14="http://schemas.microsoft.com/office/drawing/2010/main" xmlns:m="http://schemas.openxmlformats.org/officeDocument/2006/math" xmlns="" val="1"/>
+              <ma14:wrappingTextBoxFlag xmlns="" xmlns:m="http://schemas.openxmlformats.org/officeDocument/2006/math" xmlns:a14="http://schemas.microsoft.com/office/drawing/2010/main" xmlns:ma14="http://schemas.microsoft.com/office/mac/drawingml/2011/main" val="1"/>
             </a:ext>
           </a:extLst>
         </p:spPr>
@@ -14995,7 +15459,7 @@
           </a:ln>
           <a:extLst>
             <a:ext uri="{C572A759-6A51-4108-AA02-DFA0A04FC94B}">
-              <ma14:wrappingTextBoxFlag xmlns:ma14="http://schemas.microsoft.com/office/mac/drawingml/2011/main" xmlns:a14="http://schemas.microsoft.com/office/drawing/2010/main" xmlns:m="http://schemas.openxmlformats.org/officeDocument/2006/math" xmlns="" val="1"/>
+              <ma14:wrappingTextBoxFlag xmlns="" xmlns:m="http://schemas.openxmlformats.org/officeDocument/2006/math" xmlns:a14="http://schemas.microsoft.com/office/drawing/2010/main" xmlns:ma14="http://schemas.microsoft.com/office/mac/drawingml/2011/main" val="1"/>
             </a:ext>
           </a:extLst>
         </p:spPr>
@@ -15041,7 +15505,7 @@
           </a:ln>
           <a:extLst>
             <a:ext uri="{C572A759-6A51-4108-AA02-DFA0A04FC94B}">
-              <ma14:wrappingTextBoxFlag xmlns:ma14="http://schemas.microsoft.com/office/mac/drawingml/2011/main" xmlns:a14="http://schemas.microsoft.com/office/drawing/2010/main" xmlns:m="http://schemas.openxmlformats.org/officeDocument/2006/math" xmlns="" val="1"/>
+              <ma14:wrappingTextBoxFlag xmlns="" xmlns:m="http://schemas.openxmlformats.org/officeDocument/2006/math" xmlns:a14="http://schemas.microsoft.com/office/drawing/2010/main" xmlns:ma14="http://schemas.microsoft.com/office/mac/drawingml/2011/main" val="1"/>
             </a:ext>
           </a:extLst>
         </p:spPr>
@@ -15203,7 +15667,7 @@
           </a:ln>
           <a:extLst>
             <a:ext uri="{C572A759-6A51-4108-AA02-DFA0A04FC94B}">
-              <ma14:wrappingTextBoxFlag xmlns:ma14="http://schemas.microsoft.com/office/mac/drawingml/2011/main" xmlns:a14="http://schemas.microsoft.com/office/drawing/2010/main" xmlns:m="http://schemas.openxmlformats.org/officeDocument/2006/math" xmlns="" val="1"/>
+              <ma14:wrappingTextBoxFlag xmlns="" xmlns:m="http://schemas.openxmlformats.org/officeDocument/2006/math" xmlns:a14="http://schemas.microsoft.com/office/drawing/2010/main" xmlns:ma14="http://schemas.microsoft.com/office/mac/drawingml/2011/main" val="1"/>
             </a:ext>
           </a:extLst>
         </p:spPr>
@@ -15312,7 +15776,7 @@
           </a:ln>
           <a:extLst>
             <a:ext uri="{C572A759-6A51-4108-AA02-DFA0A04FC94B}">
-              <ma14:wrappingTextBoxFlag xmlns:ma14="http://schemas.microsoft.com/office/mac/drawingml/2011/main" xmlns:a14="http://schemas.microsoft.com/office/drawing/2010/main" xmlns:m="http://schemas.openxmlformats.org/officeDocument/2006/math" xmlns="" val="1"/>
+              <ma14:wrappingTextBoxFlag xmlns="" xmlns:m="http://schemas.openxmlformats.org/officeDocument/2006/math" xmlns:a14="http://schemas.microsoft.com/office/drawing/2010/main" xmlns:ma14="http://schemas.microsoft.com/office/mac/drawingml/2011/main" val="1"/>
             </a:ext>
           </a:extLst>
         </p:spPr>
@@ -15362,7 +15826,7 @@
           </a:ln>
           <a:extLst>
             <a:ext uri="{C572A759-6A51-4108-AA02-DFA0A04FC94B}">
-              <ma14:wrappingTextBoxFlag xmlns:ma14="http://schemas.microsoft.com/office/mac/drawingml/2011/main" xmlns:a14="http://schemas.microsoft.com/office/drawing/2010/main" xmlns:m="http://schemas.openxmlformats.org/officeDocument/2006/math" xmlns="" val="1"/>
+              <ma14:wrappingTextBoxFlag xmlns="" xmlns:m="http://schemas.openxmlformats.org/officeDocument/2006/math" xmlns:a14="http://schemas.microsoft.com/office/drawing/2010/main" xmlns:ma14="http://schemas.microsoft.com/office/mac/drawingml/2011/main" val="1"/>
             </a:ext>
           </a:extLst>
         </p:spPr>
@@ -15408,7 +15872,7 @@
           </a:ln>
           <a:extLst>
             <a:ext uri="{C572A759-6A51-4108-AA02-DFA0A04FC94B}">
-              <ma14:wrappingTextBoxFlag xmlns:ma14="http://schemas.microsoft.com/office/mac/drawingml/2011/main" xmlns:a14="http://schemas.microsoft.com/office/drawing/2010/main" xmlns:m="http://schemas.openxmlformats.org/officeDocument/2006/math" xmlns="" val="1"/>
+              <ma14:wrappingTextBoxFlag xmlns="" xmlns:m="http://schemas.openxmlformats.org/officeDocument/2006/math" xmlns:a14="http://schemas.microsoft.com/office/drawing/2010/main" xmlns:ma14="http://schemas.microsoft.com/office/mac/drawingml/2011/main" val="1"/>
             </a:ext>
           </a:extLst>
         </p:spPr>
@@ -15518,7 +15982,7 @@
           </a:ln>
           <a:extLst>
             <a:ext uri="{C572A759-6A51-4108-AA02-DFA0A04FC94B}">
-              <ma14:wrappingTextBoxFlag xmlns:ma14="http://schemas.microsoft.com/office/mac/drawingml/2011/main" xmlns:a14="http://schemas.microsoft.com/office/drawing/2010/main" xmlns:m="http://schemas.openxmlformats.org/officeDocument/2006/math" xmlns="" val="1"/>
+              <ma14:wrappingTextBoxFlag xmlns="" xmlns:m="http://schemas.openxmlformats.org/officeDocument/2006/math" xmlns:a14="http://schemas.microsoft.com/office/drawing/2010/main" xmlns:ma14="http://schemas.microsoft.com/office/mac/drawingml/2011/main" val="1"/>
             </a:ext>
           </a:extLst>
         </p:spPr>
@@ -15598,7 +16062,7 @@
           </a:ln>
           <a:extLst>
             <a:ext uri="{C572A759-6A51-4108-AA02-DFA0A04FC94B}">
-              <ma14:wrappingTextBoxFlag xmlns:ma14="http://schemas.microsoft.com/office/mac/drawingml/2011/main" xmlns:a14="http://schemas.microsoft.com/office/drawing/2010/main" xmlns:m="http://schemas.openxmlformats.org/officeDocument/2006/math" xmlns="" val="1"/>
+              <ma14:wrappingTextBoxFlag xmlns="" xmlns:m="http://schemas.openxmlformats.org/officeDocument/2006/math" xmlns:a14="http://schemas.microsoft.com/office/drawing/2010/main" xmlns:ma14="http://schemas.microsoft.com/office/mac/drawingml/2011/main" val="1"/>
             </a:ext>
           </a:extLst>
         </p:spPr>
@@ -15830,7 +16294,7 @@
           </a:ln>
           <a:extLst>
             <a:ext uri="{C572A759-6A51-4108-AA02-DFA0A04FC94B}">
-              <ma14:wrappingTextBoxFlag xmlns:ma14="http://schemas.microsoft.com/office/mac/drawingml/2011/main" xmlns:a14="http://schemas.microsoft.com/office/drawing/2010/main" xmlns:m="http://schemas.openxmlformats.org/officeDocument/2006/math" xmlns="" val="1"/>
+              <ma14:wrappingTextBoxFlag xmlns="" xmlns:m="http://schemas.openxmlformats.org/officeDocument/2006/math" xmlns:a14="http://schemas.microsoft.com/office/drawing/2010/main" xmlns:ma14="http://schemas.microsoft.com/office/mac/drawingml/2011/main" val="1"/>
             </a:ext>
           </a:extLst>
         </p:spPr>
@@ -15876,7 +16340,7 @@
           </a:ln>
           <a:extLst>
             <a:ext uri="{C572A759-6A51-4108-AA02-DFA0A04FC94B}">
-              <ma14:wrappingTextBoxFlag xmlns:ma14="http://schemas.microsoft.com/office/mac/drawingml/2011/main" xmlns:a14="http://schemas.microsoft.com/office/drawing/2010/main" xmlns:m="http://schemas.openxmlformats.org/officeDocument/2006/math" xmlns="" val="1"/>
+              <ma14:wrappingTextBoxFlag xmlns="" xmlns:m="http://schemas.openxmlformats.org/officeDocument/2006/math" xmlns:a14="http://schemas.microsoft.com/office/drawing/2010/main" xmlns:ma14="http://schemas.microsoft.com/office/mac/drawingml/2011/main" val="1"/>
             </a:ext>
           </a:extLst>
         </p:spPr>
@@ -15986,7 +16450,7 @@
           </a:ln>
           <a:extLst>
             <a:ext uri="{C572A759-6A51-4108-AA02-DFA0A04FC94B}">
-              <ma14:wrappingTextBoxFlag xmlns:ma14="http://schemas.microsoft.com/office/mac/drawingml/2011/main" xmlns:a14="http://schemas.microsoft.com/office/drawing/2010/main" xmlns:m="http://schemas.openxmlformats.org/officeDocument/2006/math" xmlns="" val="1"/>
+              <ma14:wrappingTextBoxFlag xmlns="" xmlns:m="http://schemas.openxmlformats.org/officeDocument/2006/math" xmlns:a14="http://schemas.microsoft.com/office/drawing/2010/main" xmlns:ma14="http://schemas.microsoft.com/office/mac/drawingml/2011/main" val="1"/>
             </a:ext>
           </a:extLst>
         </p:spPr>
@@ -16066,7 +16530,7 @@
           </a:ln>
           <a:extLst>
             <a:ext uri="{C572A759-6A51-4108-AA02-DFA0A04FC94B}">
-              <ma14:wrappingTextBoxFlag xmlns:ma14="http://schemas.microsoft.com/office/mac/drawingml/2011/main" xmlns:a14="http://schemas.microsoft.com/office/drawing/2010/main" xmlns:m="http://schemas.openxmlformats.org/officeDocument/2006/math" xmlns="" val="1"/>
+              <ma14:wrappingTextBoxFlag xmlns="" xmlns:m="http://schemas.openxmlformats.org/officeDocument/2006/math" xmlns:a14="http://schemas.microsoft.com/office/drawing/2010/main" xmlns:ma14="http://schemas.microsoft.com/office/mac/drawingml/2011/main" val="1"/>
             </a:ext>
           </a:extLst>
         </p:spPr>
@@ -16097,8 +16561,9 @@
             </a:r>
             <a:r>
               <a:rPr lang="ru-RU" sz="4400" dirty="0"/>
-              <a:t> – стандартные подходы к исследованию сложности операций и экспериментальное подтверждение теоретических утверждений.</a:t>
-            </a:r>
+              <a:t> – стандартные методы дискретной математики и теории алгоритмов для исследования сложности операций и экспериментальное подтверждение теоретических утверждений.</a:t>
+            </a:r>
+            <a:endParaRPr lang="en-US" sz="4400" dirty="0"/>
           </a:p>
           <a:p>
             <a:pPr marL="685800" indent="-685800" algn="l">
@@ -16330,7 +16795,7 @@
           </a:ln>
           <a:extLst>
             <a:ext uri="{C572A759-6A51-4108-AA02-DFA0A04FC94B}">
-              <ma14:wrappingTextBoxFlag xmlns:ma14="http://schemas.microsoft.com/office/mac/drawingml/2011/main" xmlns:a14="http://schemas.microsoft.com/office/drawing/2010/main" xmlns:m="http://schemas.openxmlformats.org/officeDocument/2006/math" xmlns="" val="1"/>
+              <ma14:wrappingTextBoxFlag xmlns="" xmlns:m="http://schemas.openxmlformats.org/officeDocument/2006/math" xmlns:a14="http://schemas.microsoft.com/office/drawing/2010/main" xmlns:ma14="http://schemas.microsoft.com/office/mac/drawingml/2011/main" val="1"/>
             </a:ext>
           </a:extLst>
         </p:spPr>
@@ -16376,7 +16841,7 @@
           </a:ln>
           <a:extLst>
             <a:ext uri="{C572A759-6A51-4108-AA02-DFA0A04FC94B}">
-              <ma14:wrappingTextBoxFlag xmlns:ma14="http://schemas.microsoft.com/office/mac/drawingml/2011/main" xmlns:a14="http://schemas.microsoft.com/office/drawing/2010/main" xmlns:m="http://schemas.openxmlformats.org/officeDocument/2006/math" xmlns="" val="1"/>
+              <ma14:wrappingTextBoxFlag xmlns="" xmlns:m="http://schemas.openxmlformats.org/officeDocument/2006/math" xmlns:a14="http://schemas.microsoft.com/office/drawing/2010/main" xmlns:ma14="http://schemas.microsoft.com/office/mac/drawingml/2011/main" val="1"/>
             </a:ext>
           </a:extLst>
         </p:spPr>
@@ -16486,7 +16951,7 @@
           </a:ln>
           <a:extLst>
             <a:ext uri="{C572A759-6A51-4108-AA02-DFA0A04FC94B}">
-              <ma14:wrappingTextBoxFlag xmlns:ma14="http://schemas.microsoft.com/office/mac/drawingml/2011/main" xmlns:a14="http://schemas.microsoft.com/office/drawing/2010/main" xmlns:m="http://schemas.openxmlformats.org/officeDocument/2006/math" xmlns="" val="1"/>
+              <ma14:wrappingTextBoxFlag xmlns="" xmlns:m="http://schemas.openxmlformats.org/officeDocument/2006/math" xmlns:a14="http://schemas.microsoft.com/office/drawing/2010/main" xmlns:ma14="http://schemas.microsoft.com/office/mac/drawingml/2011/main" val="1"/>
             </a:ext>
           </a:extLst>
         </p:spPr>
